--- a/Project-2-Report.pptx
+++ b/Project-2-Report.pptx
@@ -23,7 +23,9 @@
     <p:sldId id="272" r:id="rId17"/>
     <p:sldId id="273" r:id="rId18"/>
     <p:sldId id="274" r:id="rId19"/>
-    <p:sldId id="277" r:id="rId20"/>
+    <p:sldId id="275" r:id="rId20"/>
+    <p:sldId id="276" r:id="rId21"/>
+    <p:sldId id="277" r:id="rId22"/>
   </p:sldIdLst>
   <p:sldSz cx="9144000" cy="5143500" type="screen16x9"/>
   <p:notesSz cx="9144000" cy="5143500"/>
@@ -280,7 +282,7 @@
           <a:p>
             <a:fld id="{1D8BD707-D9CF-40AE-B4C6-C98DA3205C09}" type="datetimeFigureOut">
               <a:rPr lang="en-US"/>
-              <a:t>10/15/2022</a:t>
+              <a:t>10/22/22</a:t>
             </a:fld>
             <a:endParaRPr lang="en-US"/>
           </a:p>
@@ -455,7 +457,7 @@
           <a:p>
             <a:fld id="{1D8BD707-D9CF-40AE-B4C6-C98DA3205C09}" type="datetimeFigureOut">
               <a:rPr lang="en-US"/>
-              <a:t>10/15/2022</a:t>
+              <a:t>10/22/22</a:t>
             </a:fld>
             <a:endParaRPr lang="en-US"/>
           </a:p>
@@ -669,7 +671,7 @@
           <a:p>
             <a:fld id="{1D8BD707-D9CF-40AE-B4C6-C98DA3205C09}" type="datetimeFigureOut">
               <a:rPr lang="en-US"/>
-              <a:t>10/15/2022</a:t>
+              <a:t>10/22/22</a:t>
             </a:fld>
             <a:endParaRPr lang="en-US"/>
           </a:p>
@@ -817,7 +819,7 @@
           <a:p>
             <a:fld id="{1D8BD707-D9CF-40AE-B4C6-C98DA3205C09}" type="datetimeFigureOut">
               <a:rPr lang="en-US"/>
-              <a:t>10/15/2022</a:t>
+              <a:t>10/22/22</a:t>
             </a:fld>
             <a:endParaRPr lang="en-US"/>
           </a:p>
@@ -936,7 +938,7 @@
           <a:p>
             <a:fld id="{1D8BD707-D9CF-40AE-B4C6-C98DA3205C09}" type="datetimeFigureOut">
               <a:rPr lang="en-US"/>
-              <a:t>10/15/2022</a:t>
+              <a:t>10/22/22</a:t>
             </a:fld>
             <a:endParaRPr lang="en-US"/>
           </a:p>
@@ -1309,7 +1311,7 @@
           <a:p>
             <a:fld id="{1D8BD707-D9CF-40AE-B4C6-C98DA3205C09}" type="datetimeFigureOut">
               <a:rPr lang="en-US"/>
-              <a:t>10/15/2022</a:t>
+              <a:t>10/22/22</a:t>
             </a:fld>
             <a:endParaRPr lang="en-US"/>
           </a:p>
@@ -2716,7 +2718,7 @@
         <p:spPr>
           <a:xfrm>
             <a:off x="531658" y="1983678"/>
-            <a:ext cx="3481070" cy="1853328"/>
+            <a:ext cx="3481070" cy="2060116"/>
           </a:xfrm>
           <a:prstGeom prst="rect">
             <a:avLst/>
@@ -2750,7 +2752,7 @@
                 <a:latin typeface="Tahoma"/>
                 <a:cs typeface="Tahoma"/>
               </a:rPr>
-              <a:t>RMSEs of </a:t>
+              <a:t>RMSEs of validation sets </a:t>
             </a:r>
             <a:r>
               <a:rPr lang="en-US" sz="1300" spc="15" dirty="0">
@@ -2760,17 +2762,17 @@
                 <a:latin typeface="Tahoma"/>
                 <a:cs typeface="Tahoma"/>
               </a:rPr>
-              <a:t>training </a:t>
-            </a:r>
-            <a:r>
-              <a:rPr sz="1300" spc="15" dirty="0" smtClean="0">
-                <a:solidFill>
-                  <a:srgbClr val="595959"/>
-                </a:solidFill>
-                <a:latin typeface="Tahoma"/>
-                <a:cs typeface="Tahoma"/>
-              </a:rPr>
-              <a:t>sets </a:t>
+              <a:t>were</a:t>
+            </a:r>
+            <a:r>
+              <a:rPr sz="1300" spc="15" dirty="0">
+                <a:solidFill>
+                  <a:srgbClr val="595959"/>
+                </a:solidFill>
+                <a:latin typeface="Tahoma"/>
+                <a:cs typeface="Tahoma"/>
+              </a:rPr>
+              <a:t> slightly higher than training sets, which is  expected </a:t>
             </a:r>
             <a:r>
               <a:rPr lang="en-US" sz="1300" spc="15" dirty="0">
@@ -2780,6 +2782,26 @@
                 <a:latin typeface="Tahoma"/>
                 <a:cs typeface="Tahoma"/>
               </a:rPr>
+              <a:t>but  t</a:t>
+            </a:r>
+            <a:r>
+              <a:rPr sz="1300" spc="15" dirty="0">
+                <a:solidFill>
+                  <a:srgbClr val="595959"/>
+                </a:solidFill>
+                <a:latin typeface="Tahoma"/>
+                <a:cs typeface="Tahoma"/>
+              </a:rPr>
+              <a:t>here </a:t>
+            </a:r>
+            <a:r>
+              <a:rPr lang="en-US" sz="1300" spc="15" dirty="0">
+                <a:solidFill>
+                  <a:srgbClr val="595959"/>
+                </a:solidFill>
+                <a:latin typeface="Tahoma"/>
+                <a:cs typeface="Tahoma"/>
+              </a:rPr>
               <a:t>were</a:t>
             </a:r>
             <a:r>
@@ -2790,97 +2812,7 @@
                 <a:latin typeface="Tahoma"/>
                 <a:cs typeface="Tahoma"/>
               </a:rPr>
-              <a:t> slightly higher than </a:t>
-            </a:r>
-            <a:r>
-              <a:rPr lang="en-US" sz="1300" spc="15" dirty="0">
-                <a:solidFill>
-                  <a:srgbClr val="595959"/>
-                </a:solidFill>
-                <a:latin typeface="Tahoma"/>
-                <a:cs typeface="Tahoma"/>
-              </a:rPr>
-              <a:t>validation </a:t>
-            </a:r>
-            <a:r>
-              <a:rPr sz="1300" spc="15" dirty="0" smtClean="0">
-                <a:solidFill>
-                  <a:srgbClr val="595959"/>
-                </a:solidFill>
-                <a:latin typeface="Tahoma"/>
-                <a:cs typeface="Tahoma"/>
-              </a:rPr>
-              <a:t>sets</a:t>
-            </a:r>
-            <a:r>
-              <a:rPr sz="1300" spc="15" dirty="0">
-                <a:solidFill>
-                  <a:srgbClr val="595959"/>
-                </a:solidFill>
-                <a:latin typeface="Tahoma"/>
-                <a:cs typeface="Tahoma"/>
-              </a:rPr>
-              <a:t>, </a:t>
-            </a:r>
-            <a:r>
-              <a:rPr lang="en-US" sz="1300" spc="15" dirty="0" smtClean="0">
-                <a:solidFill>
-                  <a:srgbClr val="595959"/>
-                </a:solidFill>
-                <a:latin typeface="Tahoma"/>
-                <a:cs typeface="Tahoma"/>
-              </a:rPr>
-              <a:t>but  </a:t>
-            </a:r>
-            <a:r>
-              <a:rPr lang="en-US" sz="1300" spc="15" dirty="0">
-                <a:solidFill>
-                  <a:srgbClr val="595959"/>
-                </a:solidFill>
-                <a:latin typeface="Tahoma"/>
-                <a:cs typeface="Tahoma"/>
-              </a:rPr>
-              <a:t>t</a:t>
-            </a:r>
-            <a:r>
-              <a:rPr sz="1300" spc="15" dirty="0">
-                <a:solidFill>
-                  <a:srgbClr val="595959"/>
-                </a:solidFill>
-                <a:latin typeface="Tahoma"/>
-                <a:cs typeface="Tahoma"/>
-              </a:rPr>
-              <a:t>here </a:t>
-            </a:r>
-            <a:r>
-              <a:rPr lang="en-US" sz="1300" spc="15" dirty="0" smtClean="0">
-                <a:solidFill>
-                  <a:srgbClr val="595959"/>
-                </a:solidFill>
-                <a:latin typeface="Tahoma"/>
-                <a:cs typeface="Tahoma"/>
-              </a:rPr>
-              <a:t>are </a:t>
-            </a:r>
-            <a:r>
-              <a:rPr sz="1300" spc="15" dirty="0" smtClean="0">
-                <a:solidFill>
-                  <a:srgbClr val="595959"/>
-                </a:solidFill>
-                <a:latin typeface="Tahoma"/>
-                <a:cs typeface="Tahoma"/>
-              </a:rPr>
-              <a:t>no </a:t>
-            </a:r>
-            <a:r>
-              <a:rPr sz="1300" spc="15" dirty="0">
-                <a:solidFill>
-                  <a:srgbClr val="595959"/>
-                </a:solidFill>
-                <a:latin typeface="Tahoma"/>
-                <a:cs typeface="Tahoma"/>
-              </a:rPr>
-              <a:t>sign</a:t>
+              <a:t> no sign</a:t>
             </a:r>
             <a:r>
               <a:rPr lang="en-US" sz="1300" spc="15" dirty="0">
@@ -2925,7 +2857,7 @@
               <a:t>The transformation</a:t>
             </a:r>
             <a:r>
-              <a:rPr lang="en-US" sz="1300" spc="15" dirty="0" smtClean="0">
+              <a:rPr lang="en-US" sz="1300" spc="15" dirty="0">
                 <a:solidFill>
                   <a:srgbClr val="595959"/>
                 </a:solidFill>
@@ -2935,54 +2867,14 @@
               <a:t>s</a:t>
             </a:r>
             <a:r>
-              <a:rPr lang="en-US" sz="1300" spc="15" dirty="0">
-                <a:solidFill>
-                  <a:srgbClr val="595959"/>
-                </a:solidFill>
-                <a:latin typeface="Tahoma"/>
-                <a:cs typeface="Tahoma"/>
-              </a:rPr>
-              <a:t> </a:t>
-            </a:r>
-            <a:r>
-              <a:rPr lang="en-US" sz="1300" spc="15" dirty="0" smtClean="0">
-                <a:solidFill>
-                  <a:srgbClr val="595959"/>
-                </a:solidFill>
-                <a:latin typeface="Tahoma"/>
-                <a:cs typeface="Tahoma"/>
-              </a:rPr>
-              <a:t>doesn’t </a:t>
-            </a:r>
-            <a:r>
-              <a:rPr sz="1300" spc="15" dirty="0" smtClean="0">
-                <a:solidFill>
-                  <a:srgbClr val="595959"/>
-                </a:solidFill>
-                <a:latin typeface="Tahoma"/>
-                <a:cs typeface="Tahoma"/>
-              </a:rPr>
-              <a:t>improves </a:t>
-            </a:r>
-            <a:r>
-              <a:rPr lang="en-US" sz="1300" spc="15" dirty="0" smtClean="0">
-                <a:solidFill>
-                  <a:srgbClr val="595959"/>
-                </a:solidFill>
-                <a:latin typeface="Tahoma"/>
-                <a:cs typeface="Tahoma"/>
-              </a:rPr>
-              <a:t>the </a:t>
-            </a:r>
-            <a:r>
-              <a:rPr sz="1300" spc="15" dirty="0" smtClean="0">
-                <a:solidFill>
-                  <a:srgbClr val="595959"/>
-                </a:solidFill>
-                <a:latin typeface="Tahoma"/>
-                <a:cs typeface="Tahoma"/>
-              </a:rPr>
-              <a:t>model.</a:t>
+              <a:rPr sz="1300" spc="15" dirty="0">
+                <a:solidFill>
+                  <a:srgbClr val="595959"/>
+                </a:solidFill>
+                <a:latin typeface="Tahoma"/>
+                <a:cs typeface="Tahoma"/>
+              </a:rPr>
+              <a:t> improves all models.</a:t>
             </a:r>
             <a:endParaRPr lang="en-US" sz="1300" spc="15" dirty="0">
               <a:solidFill>
@@ -3036,29 +2928,6 @@
           </a:p>
         </p:txBody>
       </p:sp>
-      <p:pic>
-        <p:nvPicPr>
-          <p:cNvPr id="4" name="Picture 3"/>
-          <p:cNvPicPr>
-            <a:picLocks noChangeAspect="1"/>
-          </p:cNvPicPr>
-          <p:nvPr/>
-        </p:nvPicPr>
-        <p:blipFill rotWithShape="1">
-          <a:blip r:embed="rId2"/>
-          <a:srcRect l="1896" t="12212" r="5226" b="14516"/>
-          <a:stretch/>
-        </p:blipFill>
-        <p:spPr>
-          <a:xfrm>
-            <a:off x="4572000" y="2419350"/>
-            <a:ext cx="3733800" cy="914400"/>
-          </a:xfrm>
-          <a:prstGeom prst="rect">
-            <a:avLst/>
-          </a:prstGeom>
-        </p:spPr>
-      </p:pic>
     </p:spTree>
   </p:cSld>
   <p:clrMapOvr>
@@ -3166,7 +3035,7 @@
         <p:spPr>
           <a:xfrm>
             <a:off x="494558" y="2057878"/>
-            <a:ext cx="4344035" cy="2313454"/>
+            <a:ext cx="4344035" cy="2060116"/>
           </a:xfrm>
           <a:prstGeom prst="rect">
             <a:avLst/>
@@ -3292,7 +3161,27 @@
               <a:t> </a:t>
             </a:r>
             <a:r>
-              <a:rPr sz="1300" spc="5" dirty="0" smtClean="0">
+              <a:rPr sz="1300" spc="15" dirty="0">
+                <a:solidFill>
+                  <a:srgbClr val="595959"/>
+                </a:solidFill>
+                <a:latin typeface="Tahoma"/>
+                <a:cs typeface="Tahoma"/>
+              </a:rPr>
+              <a:t>latest</a:t>
+            </a:r>
+            <a:r>
+              <a:rPr sz="1300" spc="-160" dirty="0">
+                <a:solidFill>
+                  <a:srgbClr val="595959"/>
+                </a:solidFill>
+                <a:latin typeface="Tahoma"/>
+                <a:cs typeface="Tahoma"/>
+              </a:rPr>
+              <a:t> </a:t>
+            </a:r>
+            <a:r>
+              <a:rPr sz="1300" spc="5" dirty="0">
                 <a:solidFill>
                   <a:srgbClr val="595959"/>
                 </a:solidFill>
@@ -3302,7 +3191,7 @@
               <a:t>model</a:t>
             </a:r>
             <a:r>
-              <a:rPr sz="1300" spc="-160" dirty="0" smtClean="0">
+              <a:rPr sz="1300" spc="-160" dirty="0">
                 <a:solidFill>
                   <a:srgbClr val="595959"/>
                 </a:solidFill>
@@ -3569,17 +3458,17 @@
               <a:t>Only up to </a:t>
             </a:r>
             <a:r>
-              <a:rPr lang="en-US" sz="1300" spc="25" dirty="0" smtClean="0">
-                <a:solidFill>
-                  <a:srgbClr val="595959"/>
-                </a:solidFill>
-                <a:latin typeface="Tahoma"/>
-                <a:cs typeface="Tahoma"/>
-              </a:rPr>
-              <a:t>second</a:t>
-            </a:r>
-            <a:r>
-              <a:rPr sz="1300" spc="-160" dirty="0" smtClean="0">
+              <a:rPr lang="en-US" sz="1300" spc="25" dirty="0" err="1">
+                <a:solidFill>
+                  <a:srgbClr val="595959"/>
+                </a:solidFill>
+                <a:latin typeface="Tahoma"/>
+                <a:cs typeface="Tahoma"/>
+              </a:rPr>
+              <a:t>seconf</a:t>
+            </a:r>
+            <a:r>
+              <a:rPr sz="1300" spc="-160" dirty="0">
                 <a:solidFill>
                   <a:srgbClr val="595959"/>
                 </a:solidFill>
@@ -3666,37 +3555,7 @@
                 <a:latin typeface="Tahoma"/>
                 <a:cs typeface="Tahoma"/>
               </a:rPr>
-              <a:t> was possible due to system restrictions using such a large data set and is assumed to be provide the best result as a greater degree transformation would lead to a higher number of features and complexity risking </a:t>
-            </a:r>
-            <a:r>
-              <a:rPr lang="en-US" sz="1300" spc="5" dirty="0" smtClean="0">
-                <a:solidFill>
-                  <a:srgbClr val="595959"/>
-                </a:solidFill>
-                <a:latin typeface="Tahoma"/>
-                <a:cs typeface="Tahoma"/>
-              </a:rPr>
-              <a:t>overfitting but it does reduce the RMSE score </a:t>
-            </a:r>
-            <a:r>
-              <a:rPr lang="en-US" sz="1300" spc="5" dirty="0" err="1" smtClean="0">
-                <a:solidFill>
-                  <a:srgbClr val="595959"/>
-                </a:solidFill>
-                <a:latin typeface="Tahoma"/>
-                <a:cs typeface="Tahoma"/>
-              </a:rPr>
-              <a:t>signioficantly</a:t>
-            </a:r>
-            <a:r>
-              <a:rPr lang="en-US" sz="1300" spc="5" dirty="0" smtClean="0">
-                <a:solidFill>
-                  <a:srgbClr val="595959"/>
-                </a:solidFill>
-                <a:latin typeface="Tahoma"/>
-                <a:cs typeface="Tahoma"/>
-              </a:rPr>
-              <a:t>.</a:t>
+              <a:t> was possible due to system restrictions using such a large data set and is assumed to be provide the best result as a greater degree transformation would lead to a higher number of features and complexity risking overfitting.</a:t>
             </a:r>
             <a:endParaRPr sz="1300" dirty="0">
               <a:latin typeface="Tahoma"/>
@@ -3705,29 +3564,6 @@
           </a:p>
         </p:txBody>
       </p:sp>
-      <p:pic>
-        <p:nvPicPr>
-          <p:cNvPr id="4" name="Picture 3"/>
-          <p:cNvPicPr>
-            <a:picLocks noChangeAspect="1"/>
-          </p:cNvPicPr>
-          <p:nvPr/>
-        </p:nvPicPr>
-        <p:blipFill rotWithShape="1">
-          <a:blip r:embed="rId2"/>
-          <a:srcRect l="3748" t="14284" r="2759" b="4775"/>
-          <a:stretch/>
-        </p:blipFill>
-        <p:spPr>
-          <a:xfrm>
-            <a:off x="4838593" y="2451873"/>
-            <a:ext cx="4114801" cy="1295400"/>
-          </a:xfrm>
-          <a:prstGeom prst="rect">
-            <a:avLst/>
-          </a:prstGeom>
-        </p:spPr>
-      </p:pic>
     </p:spTree>
   </p:cSld>
   <p:clrMapOvr>
@@ -5251,7 +5087,7 @@
         <p:spPr>
           <a:xfrm>
             <a:off x="931383" y="2410628"/>
-            <a:ext cx="2734945" cy="1163139"/>
+            <a:ext cx="2734945" cy="1139864"/>
           </a:xfrm>
           <a:prstGeom prst="rect">
             <a:avLst/>
@@ -5348,7 +5184,7 @@
               <a:t> </a:t>
             </a:r>
             <a:r>
-              <a:rPr sz="1300" spc="10" dirty="0">
+              <a:rPr sz="1300" spc="10">
                 <a:solidFill>
                   <a:srgbClr val="595959"/>
                 </a:solidFill>
@@ -5358,7 +5194,7 @@
               <a:t>polynomial </a:t>
             </a:r>
             <a:r>
-              <a:rPr sz="1300" dirty="0">
+              <a:rPr sz="1300">
                 <a:solidFill>
                   <a:srgbClr val="595959"/>
                 </a:solidFill>
@@ -5368,7 +5204,7 @@
               <a:t>degree</a:t>
             </a:r>
             <a:r>
-              <a:rPr lang="en-US" sz="1300" dirty="0">
+              <a:rPr lang="en-US" sz="1300">
                 <a:solidFill>
                   <a:srgbClr val="595959"/>
                 </a:solidFill>
@@ -5378,6 +5214,26 @@
               <a:t>s</a:t>
             </a:r>
             <a:r>
+              <a:rPr sz="1300" spc="-160">
+                <a:solidFill>
+                  <a:srgbClr val="595959"/>
+                </a:solidFill>
+                <a:latin typeface="Tahoma"/>
+                <a:cs typeface="Tahoma"/>
+              </a:rPr>
+              <a:t> </a:t>
+            </a:r>
+            <a:r>
+              <a:rPr sz="1300" spc="-65" dirty="0">
+                <a:solidFill>
+                  <a:srgbClr val="595959"/>
+                </a:solidFill>
+                <a:latin typeface="Tahoma"/>
+                <a:cs typeface="Tahoma"/>
+              </a:rPr>
+              <a:t>(1,</a:t>
+            </a:r>
+            <a:r>
               <a:rPr sz="1300" spc="-160" dirty="0">
                 <a:solidFill>
                   <a:srgbClr val="595959"/>
@@ -5388,37 +5244,17 @@
               <a:t> </a:t>
             </a:r>
             <a:r>
-              <a:rPr sz="1300" spc="-65" dirty="0">
-                <a:solidFill>
-                  <a:srgbClr val="595959"/>
-                </a:solidFill>
-                <a:latin typeface="Tahoma"/>
-                <a:cs typeface="Tahoma"/>
-              </a:rPr>
-              <a:t>(1,</a:t>
-            </a:r>
-            <a:r>
-              <a:rPr sz="1300" spc="-160" dirty="0">
-                <a:solidFill>
-                  <a:srgbClr val="595959"/>
-                </a:solidFill>
-                <a:latin typeface="Tahoma"/>
-                <a:cs typeface="Tahoma"/>
-              </a:rPr>
-              <a:t> </a:t>
-            </a:r>
-            <a:r>
-              <a:rPr sz="1300" spc="-40" dirty="0" smtClean="0">
-                <a:solidFill>
-                  <a:srgbClr val="595959"/>
-                </a:solidFill>
-                <a:latin typeface="Tahoma"/>
-                <a:cs typeface="Tahoma"/>
-              </a:rPr>
-              <a:t>2</a:t>
-            </a:r>
-            <a:r>
-              <a:rPr sz="1300" spc="-35" dirty="0" smtClean="0">
+              <a:rPr sz="1300" spc="-40">
+                <a:solidFill>
+                  <a:srgbClr val="595959"/>
+                </a:solidFill>
+                <a:latin typeface="Tahoma"/>
+                <a:cs typeface="Tahoma"/>
+              </a:rPr>
+              <a:t>2,</a:t>
+            </a:r>
+            <a:r>
+              <a:rPr sz="1300" spc="-35">
                 <a:solidFill>
                   <a:srgbClr val="595959"/>
                 </a:solidFill>
@@ -5428,7 +5264,7 @@
               <a:t>)</a:t>
             </a:r>
             <a:r>
-              <a:rPr sz="1300" spc="-160" dirty="0" smtClean="0">
+              <a:rPr sz="1300" spc="-160">
                 <a:solidFill>
                   <a:srgbClr val="595959"/>
                 </a:solidFill>
@@ -5673,7 +5509,7 @@
         </p:nvSpPr>
         <p:spPr>
           <a:xfrm>
-            <a:off x="3795088" y="679852"/>
+            <a:off x="4309825" y="1238987"/>
             <a:ext cx="516255" cy="238760"/>
           </a:xfrm>
           <a:prstGeom prst="rect">
@@ -5704,7 +5540,7 @@
               </a:rPr>
               <a:t>Linear</a:t>
             </a:r>
-            <a:endParaRPr sz="1400" dirty="0">
+            <a:endParaRPr sz="1400">
               <a:latin typeface="Tahoma"/>
               <a:cs typeface="Tahoma"/>
             </a:endParaRPr>
@@ -5719,7 +5555,7 @@
         </p:nvSpPr>
         <p:spPr>
           <a:xfrm>
-            <a:off x="3534381" y="2026017"/>
+            <a:off x="4231450" y="3272488"/>
             <a:ext cx="469265" cy="238760"/>
           </a:xfrm>
           <a:prstGeom prst="rect">
@@ -5750,7 +5586,7 @@
               </a:rPr>
               <a:t>Ridge</a:t>
             </a:r>
-            <a:endParaRPr sz="1400" dirty="0">
+            <a:endParaRPr sz="1400">
               <a:latin typeface="Tahoma"/>
               <a:cs typeface="Tahoma"/>
             </a:endParaRPr>
@@ -5765,7 +5601,7 @@
         </p:nvSpPr>
         <p:spPr>
           <a:xfrm>
-            <a:off x="7391400" y="2026017"/>
+            <a:off x="6930900" y="3272488"/>
             <a:ext cx="864869" cy="238760"/>
           </a:xfrm>
           <a:prstGeom prst="rect">
@@ -5816,7 +5652,7 @@
               </a:rPr>
               <a:t>Net</a:t>
             </a:r>
-            <a:endParaRPr sz="1400" dirty="0">
+            <a:endParaRPr sz="1400">
               <a:latin typeface="Tahoma"/>
               <a:cs typeface="Tahoma"/>
             </a:endParaRPr>
@@ -5831,7 +5667,7 @@
         </p:nvSpPr>
         <p:spPr>
           <a:xfrm>
-            <a:off x="5598729" y="679852"/>
+            <a:off x="7213550" y="1238987"/>
             <a:ext cx="460375" cy="238760"/>
           </a:xfrm>
           <a:prstGeom prst="rect">
@@ -5862,7 +5698,7 @@
               </a:rPr>
               <a:t>Lasso</a:t>
             </a:r>
-            <a:endParaRPr sz="1400" dirty="0">
+            <a:endParaRPr sz="1400">
               <a:latin typeface="Tahoma"/>
               <a:cs typeface="Tahoma"/>
             </a:endParaRPr>
@@ -5871,21 +5707,20 @@
       </p:sp>
       <p:pic>
         <p:nvPicPr>
-          <p:cNvPr id="12" name="Picture 11"/>
-          <p:cNvPicPr>
-            <a:picLocks noChangeAspect="1"/>
-          </p:cNvPicPr>
+          <p:cNvPr id="8" name="object 8"/>
+          <p:cNvPicPr/>
           <p:nvPr/>
         </p:nvPicPr>
-        <p:blipFill rotWithShape="1">
-          <a:blip r:embed="rId2"/>
-          <a:srcRect l="5315" t="3478" r="12304" b="4361"/>
-          <a:stretch/>
+        <p:blipFill>
+          <a:blip r:embed="rId2" cstate="print"/>
+          <a:stretch>
+            <a:fillRect/>
+          </a:stretch>
         </p:blipFill>
         <p:spPr>
           <a:xfrm>
-            <a:off x="3534381" y="2264777"/>
-            <a:ext cx="1553925" cy="2656710"/>
+            <a:off x="4224515" y="1627925"/>
+            <a:ext cx="1520086" cy="1453999"/>
           </a:xfrm>
           <a:prstGeom prst="rect">
             <a:avLst/>
@@ -5894,21 +5729,20 @@
       </p:pic>
       <p:pic>
         <p:nvPicPr>
-          <p:cNvPr id="13" name="Picture 12"/>
-          <p:cNvPicPr>
-            <a:picLocks noChangeAspect="1"/>
-          </p:cNvPicPr>
+          <p:cNvPr id="9" name="object 9"/>
+          <p:cNvPicPr/>
           <p:nvPr/>
         </p:nvPicPr>
-        <p:blipFill rotWithShape="1">
-          <a:blip r:embed="rId3"/>
-          <a:srcRect l="11650" t="22857" r="10680" b="16190"/>
-          <a:stretch/>
+        <p:blipFill>
+          <a:blip r:embed="rId3" cstate="print"/>
+          <a:stretch>
+            <a:fillRect/>
+          </a:stretch>
         </p:blipFill>
         <p:spPr>
           <a:xfrm>
-            <a:off x="3795088" y="918612"/>
-            <a:ext cx="1524001" cy="609600"/>
+            <a:off x="4063287" y="3690142"/>
+            <a:ext cx="2246737" cy="1155464"/>
           </a:xfrm>
           <a:prstGeom prst="rect">
             <a:avLst/>
@@ -5917,21 +5751,20 @@
       </p:pic>
       <p:pic>
         <p:nvPicPr>
-          <p:cNvPr id="14" name="Picture 13"/>
-          <p:cNvPicPr>
-            <a:picLocks noChangeAspect="1"/>
-          </p:cNvPicPr>
+          <p:cNvPr id="10" name="object 10"/>
+          <p:cNvPicPr/>
           <p:nvPr/>
         </p:nvPicPr>
-        <p:blipFill rotWithShape="1">
-          <a:blip r:embed="rId4"/>
-          <a:srcRect l="5094" t="1899" r="13515" b="3682"/>
-          <a:stretch/>
+        <p:blipFill>
+          <a:blip r:embed="rId4" cstate="print"/>
+          <a:stretch>
+            <a:fillRect/>
+          </a:stretch>
         </p:blipFill>
         <p:spPr>
           <a:xfrm>
-            <a:off x="5598134" y="910364"/>
-            <a:ext cx="1600200" cy="2924504"/>
+            <a:off x="6609932" y="1692707"/>
+            <a:ext cx="2267372" cy="1230861"/>
           </a:xfrm>
           <a:prstGeom prst="rect">
             <a:avLst/>
@@ -5940,21 +5773,20 @@
       </p:pic>
       <p:pic>
         <p:nvPicPr>
-          <p:cNvPr id="8" name="Picture 7"/>
-          <p:cNvPicPr>
-            <a:picLocks noChangeAspect="1"/>
-          </p:cNvPicPr>
+          <p:cNvPr id="11" name="object 11"/>
+          <p:cNvPicPr/>
           <p:nvPr/>
         </p:nvPicPr>
-        <p:blipFill rotWithShape="1">
-          <a:blip r:embed="rId5"/>
-          <a:srcRect l="3963" t="1899" r="12595" b="3682"/>
-          <a:stretch/>
+        <p:blipFill>
+          <a:blip r:embed="rId5" cstate="print"/>
+          <a:stretch>
+            <a:fillRect/>
+          </a:stretch>
         </p:blipFill>
         <p:spPr>
           <a:xfrm>
-            <a:off x="7391400" y="2264777"/>
-            <a:ext cx="1541195" cy="2816668"/>
+            <a:off x="6680799" y="3490375"/>
+            <a:ext cx="2277316" cy="1427449"/>
           </a:xfrm>
           <a:prstGeom prst="rect">
             <a:avLst/>
@@ -5995,7 +5827,7 @@
         <p:spPr>
           <a:xfrm>
             <a:off x="890158" y="2255728"/>
-            <a:ext cx="6400165" cy="1320232"/>
+            <a:ext cx="6400165" cy="1094529"/>
           </a:xfrm>
           <a:prstGeom prst="rect">
             <a:avLst/>
@@ -6135,27 +5967,17 @@
                 <a:latin typeface="Tahoma"/>
                 <a:cs typeface="Tahoma"/>
               </a:rPr>
-              <a:t> </a:t>
-            </a:r>
-            <a:r>
-              <a:rPr lang="en-US" sz="1300" spc="15" dirty="0" smtClean="0">
-                <a:solidFill>
-                  <a:srgbClr val="595959"/>
-                </a:solidFill>
-                <a:latin typeface="Tahoma"/>
-                <a:cs typeface="Tahoma"/>
-              </a:rPr>
-              <a:t>2</a:t>
-            </a:r>
-            <a:r>
-              <a:rPr sz="1300" spc="15" dirty="0" smtClean="0">
-                <a:solidFill>
-                  <a:srgbClr val="595959"/>
-                </a:solidFill>
-                <a:latin typeface="Tahoma"/>
-                <a:cs typeface="Tahoma"/>
-              </a:rPr>
-              <a:t> </a:t>
+              <a:t> 3 and alpha </a:t>
+            </a:r>
+            <a:r>
+              <a:rPr lang="en-US" sz="1300" spc="15" dirty="0">
+                <a:solidFill>
+                  <a:srgbClr val="595959"/>
+                </a:solidFill>
+                <a:latin typeface="Tahoma"/>
+                <a:cs typeface="Tahoma"/>
+              </a:rPr>
+              <a:t>equal to</a:t>
             </a:r>
             <a:r>
               <a:rPr sz="1300" spc="15" dirty="0">
@@ -6165,98 +5987,8 @@
                 <a:latin typeface="Tahoma"/>
                 <a:cs typeface="Tahoma"/>
               </a:rPr>
-              <a:t>and alpha </a:t>
-            </a:r>
-            <a:r>
-              <a:rPr lang="en-US" sz="1300" spc="15" dirty="0">
-                <a:solidFill>
-                  <a:srgbClr val="595959"/>
-                </a:solidFill>
-                <a:latin typeface="Tahoma"/>
-                <a:cs typeface="Tahoma"/>
-              </a:rPr>
-              <a:t>equal to</a:t>
-            </a:r>
-            <a:r>
-              <a:rPr sz="1300" spc="15" dirty="0">
-                <a:solidFill>
-                  <a:srgbClr val="595959"/>
-                </a:solidFill>
-                <a:latin typeface="Tahoma"/>
-                <a:cs typeface="Tahoma"/>
-              </a:rPr>
-              <a:t> </a:t>
-            </a:r>
-            <a:r>
-              <a:rPr sz="1300" spc="15" dirty="0" smtClean="0">
-                <a:solidFill>
-                  <a:srgbClr val="595959"/>
-                </a:solidFill>
-                <a:latin typeface="Tahoma"/>
-                <a:cs typeface="Tahoma"/>
-              </a:rPr>
-              <a:t>0.0</a:t>
-            </a:r>
-            <a:r>
-              <a:rPr lang="en-US" sz="1300" spc="15" dirty="0" smtClean="0">
-                <a:solidFill>
-                  <a:srgbClr val="595959"/>
-                </a:solidFill>
-                <a:latin typeface="Tahoma"/>
-                <a:cs typeface="Tahoma"/>
-              </a:rPr>
-              <a:t>1</a:t>
-            </a:r>
-            <a:r>
-              <a:rPr sz="1300" spc="15" dirty="0" smtClean="0">
-                <a:solidFill>
-                  <a:srgbClr val="595959"/>
-                </a:solidFill>
-                <a:latin typeface="Tahoma"/>
-                <a:cs typeface="Tahoma"/>
-              </a:rPr>
-              <a:t>.</a:t>
-            </a:r>
-            <a:endParaRPr lang="en-US" sz="1300" spc="15" dirty="0" smtClean="0">
-              <a:solidFill>
-                <a:srgbClr val="595959"/>
-              </a:solidFill>
-              <a:latin typeface="Tahoma"/>
-              <a:cs typeface="Tahoma"/>
-            </a:endParaRPr>
-          </a:p>
-          <a:p>
-            <a:pPr marL="340995" indent="-328295">
-              <a:lnSpc>
-                <a:spcPct val="100000"/>
-              </a:lnSpc>
-              <a:spcBef>
-                <a:spcPts val="229"/>
-              </a:spcBef>
-              <a:buFont typeface="Arial MT"/>
-              <a:buChar char="●"/>
-              <a:tabLst>
-                <a:tab pos="340360" algn="l"/>
-                <a:tab pos="340995" algn="l"/>
-              </a:tabLst>
-            </a:pPr>
-            <a:r>
-              <a:rPr lang="en-US" sz="1300" spc="15" dirty="0" smtClean="0">
-                <a:solidFill>
-                  <a:srgbClr val="595959"/>
-                </a:solidFill>
-                <a:latin typeface="Tahoma"/>
-                <a:cs typeface="Tahoma"/>
-              </a:rPr>
-              <a:t>Ridge Regression had the highest R2 score.</a:t>
-            </a:r>
-            <a:endParaRPr sz="1300" spc="15" dirty="0">
-              <a:solidFill>
-                <a:srgbClr val="595959"/>
-              </a:solidFill>
-              <a:latin typeface="Tahoma"/>
-              <a:cs typeface="Tahoma"/>
-            </a:endParaRPr>
+              <a:t> 0.005.</a:t>
+            </a:r>
           </a:p>
           <a:p>
             <a:pPr marL="340995" indent="-328295">
@@ -6409,21 +6141,20 @@
       </p:sp>
       <p:pic>
         <p:nvPicPr>
-          <p:cNvPr id="4" name="Picture 3"/>
-          <p:cNvPicPr>
-            <a:picLocks noChangeAspect="1"/>
-          </p:cNvPicPr>
+          <p:cNvPr id="4" name="object 4"/>
+          <p:cNvPicPr/>
           <p:nvPr/>
         </p:nvPicPr>
-        <p:blipFill rotWithShape="1">
-          <a:blip r:embed="rId2"/>
-          <a:srcRect l="5912" t="7622" r="2762" b="7622"/>
-          <a:stretch/>
+        <p:blipFill>
+          <a:blip r:embed="rId2" cstate="print"/>
+          <a:stretch>
+            <a:fillRect/>
+          </a:stretch>
         </p:blipFill>
         <p:spPr>
           <a:xfrm>
-            <a:off x="6553200" y="3103161"/>
-            <a:ext cx="2209800" cy="1219200"/>
+            <a:off x="990600" y="3489779"/>
+            <a:ext cx="2182328" cy="1190366"/>
           </a:xfrm>
           <a:prstGeom prst="rect">
             <a:avLst/>
@@ -6562,12 +6293,15 @@
           <a:lstStyle/>
           <a:p>
             <a:pPr marL="12700">
+              <a:lnSpc>
+                <a:spcPct val="100000"/>
+              </a:lnSpc>
               <a:spcBef>
                 <a:spcPts val="100"/>
               </a:spcBef>
             </a:pPr>
             <a:r>
-              <a:rPr lang="en-US" sz="1300" dirty="0">
+              <a:rPr lang="en-US" sz="1300" spc="45" dirty="0">
                 <a:solidFill>
                   <a:srgbClr val="595959"/>
                 </a:solidFill>
@@ -6577,6 +6311,36 @@
               <a:t>The</a:t>
             </a:r>
             <a:r>
+              <a:rPr sz="1300" spc="-160" dirty="0">
+                <a:solidFill>
+                  <a:srgbClr val="595959"/>
+                </a:solidFill>
+                <a:latin typeface="Tahoma"/>
+                <a:cs typeface="Tahoma"/>
+              </a:rPr>
+              <a:t> </a:t>
+            </a:r>
+            <a:r>
+              <a:rPr sz="1300" spc="20" dirty="0">
+                <a:solidFill>
+                  <a:srgbClr val="595959"/>
+                </a:solidFill>
+                <a:latin typeface="Tahoma"/>
+                <a:cs typeface="Tahoma"/>
+              </a:rPr>
+              <a:t>four</a:t>
+            </a:r>
+            <a:r>
+              <a:rPr sz="1300" spc="-155" dirty="0">
+                <a:solidFill>
+                  <a:srgbClr val="595959"/>
+                </a:solidFill>
+                <a:latin typeface="Tahoma"/>
+                <a:cs typeface="Tahoma"/>
+              </a:rPr>
+              <a:t> </a:t>
+            </a:r>
+            <a:r>
               <a:rPr sz="1300" dirty="0">
                 <a:solidFill>
                   <a:srgbClr val="595959"/>
@@ -6584,40 +6348,90 @@
                 <a:latin typeface="Tahoma"/>
                 <a:cs typeface="Tahoma"/>
               </a:rPr>
-              <a:t> four models </a:t>
-            </a:r>
-            <a:r>
-              <a:rPr lang="en-US" sz="1300" dirty="0" smtClean="0">
-                <a:solidFill>
-                  <a:srgbClr val="595959"/>
-                </a:solidFill>
-                <a:latin typeface="Tahoma"/>
-                <a:cs typeface="Tahoma"/>
-              </a:rPr>
-              <a:t>were then </a:t>
-            </a:r>
-            <a:r>
-              <a:rPr lang="en-US" sz="1300" dirty="0">
-                <a:solidFill>
-                  <a:srgbClr val="595959"/>
-                </a:solidFill>
-                <a:latin typeface="Tahoma"/>
-                <a:cs typeface="Tahoma"/>
-              </a:rPr>
-              <a:t>fit on</a:t>
-            </a:r>
-            <a:r>
-              <a:rPr sz="1300" dirty="0">
-                <a:solidFill>
-                  <a:srgbClr val="595959"/>
-                </a:solidFill>
-                <a:latin typeface="Tahoma"/>
-                <a:cs typeface="Tahoma"/>
-              </a:rPr>
-              <a:t> the unseen </a:t>
-            </a:r>
-            <a:r>
-              <a:rPr lang="en-US" sz="1300" dirty="0">
+              <a:t>models</a:t>
+            </a:r>
+            <a:r>
+              <a:rPr sz="1300" spc="-160" dirty="0">
+                <a:solidFill>
+                  <a:srgbClr val="595959"/>
+                </a:solidFill>
+                <a:latin typeface="Tahoma"/>
+                <a:cs typeface="Tahoma"/>
+              </a:rPr>
+              <a:t> </a:t>
+            </a:r>
+            <a:r>
+              <a:rPr lang="en-US" sz="1300" spc="-160" dirty="0">
+                <a:solidFill>
+                  <a:srgbClr val="595959"/>
+                </a:solidFill>
+                <a:latin typeface="Tahoma"/>
+                <a:cs typeface="Tahoma"/>
+              </a:rPr>
+              <a:t>were  then fit </a:t>
+            </a:r>
+            <a:r>
+              <a:rPr lang="en-US" sz="1300" spc="30" dirty="0">
+                <a:solidFill>
+                  <a:srgbClr val="595959"/>
+                </a:solidFill>
+                <a:latin typeface="Tahoma"/>
+                <a:cs typeface="Tahoma"/>
+              </a:rPr>
+              <a:t>on</a:t>
+            </a:r>
+            <a:r>
+              <a:rPr sz="1300" spc="-155" dirty="0">
+                <a:solidFill>
+                  <a:srgbClr val="595959"/>
+                </a:solidFill>
+                <a:latin typeface="Tahoma"/>
+                <a:cs typeface="Tahoma"/>
+              </a:rPr>
+              <a:t> </a:t>
+            </a:r>
+            <a:r>
+              <a:rPr sz="1300" spc="15" dirty="0">
+                <a:solidFill>
+                  <a:srgbClr val="595959"/>
+                </a:solidFill>
+                <a:latin typeface="Tahoma"/>
+                <a:cs typeface="Tahoma"/>
+              </a:rPr>
+              <a:t>the</a:t>
+            </a:r>
+            <a:r>
+              <a:rPr sz="1300" spc="-160" dirty="0">
+                <a:solidFill>
+                  <a:srgbClr val="595959"/>
+                </a:solidFill>
+                <a:latin typeface="Tahoma"/>
+                <a:cs typeface="Tahoma"/>
+              </a:rPr>
+              <a:t> </a:t>
+            </a:r>
+            <a:r>
+              <a:rPr sz="1300" spc="-5" dirty="0">
+                <a:solidFill>
+                  <a:srgbClr val="595959"/>
+                </a:solidFill>
+                <a:latin typeface="Tahoma"/>
+                <a:cs typeface="Tahoma"/>
+              </a:rPr>
+              <a:t>unseen</a:t>
+            </a:r>
+            <a:r>
+              <a:rPr sz="1300" spc="-155" dirty="0">
+                <a:solidFill>
+                  <a:srgbClr val="595959"/>
+                </a:solidFill>
+                <a:latin typeface="Tahoma"/>
+                <a:cs typeface="Tahoma"/>
+              </a:rPr>
+              <a:t> </a:t>
+            </a:r>
+            <a:r>
+              <a:rPr lang="en-US" sz="1300" spc="20" dirty="0">
                 <a:solidFill>
                   <a:srgbClr val="595959"/>
                 </a:solidFill>
@@ -6627,17 +6441,27 @@
               <a:t>T</a:t>
             </a:r>
             <a:r>
-              <a:rPr sz="1300" dirty="0">
-                <a:solidFill>
-                  <a:srgbClr val="595959"/>
-                </a:solidFill>
-                <a:latin typeface="Tahoma"/>
-                <a:cs typeface="Tahoma"/>
-              </a:rPr>
-              <a:t>est </a:t>
-            </a:r>
-            <a:r>
-              <a:rPr lang="en-US" sz="1300" dirty="0">
+              <a:rPr sz="1300" spc="20" dirty="0">
+                <a:solidFill>
+                  <a:srgbClr val="595959"/>
+                </a:solidFill>
+                <a:latin typeface="Tahoma"/>
+                <a:cs typeface="Tahoma"/>
+              </a:rPr>
+              <a:t>est</a:t>
+            </a:r>
+            <a:r>
+              <a:rPr sz="1300" spc="-155" dirty="0">
+                <a:solidFill>
+                  <a:srgbClr val="595959"/>
+                </a:solidFill>
+                <a:latin typeface="Tahoma"/>
+                <a:cs typeface="Tahoma"/>
+              </a:rPr>
+              <a:t> </a:t>
+            </a:r>
+            <a:r>
+              <a:rPr lang="en-US" sz="1300" spc="10" dirty="0">
                 <a:solidFill>
                   <a:srgbClr val="595959"/>
                 </a:solidFill>
@@ -6647,17 +6471,97 @@
               <a:t>S</a:t>
             </a:r>
             <a:r>
-              <a:rPr sz="1300" dirty="0">
-                <a:solidFill>
-                  <a:srgbClr val="595959"/>
-                </a:solidFill>
-                <a:latin typeface="Tahoma"/>
-                <a:cs typeface="Tahoma"/>
-              </a:rPr>
-              <a:t>et and the R2 score</a:t>
-            </a:r>
-            <a:r>
-              <a:rPr lang="en-US" sz="1300" dirty="0">
+              <a:rPr sz="1300" spc="10" dirty="0">
+                <a:solidFill>
+                  <a:srgbClr val="595959"/>
+                </a:solidFill>
+                <a:latin typeface="Tahoma"/>
+                <a:cs typeface="Tahoma"/>
+              </a:rPr>
+              <a:t>et</a:t>
+            </a:r>
+            <a:r>
+              <a:rPr sz="1300" spc="-160" dirty="0">
+                <a:solidFill>
+                  <a:srgbClr val="595959"/>
+                </a:solidFill>
+                <a:latin typeface="Tahoma"/>
+                <a:cs typeface="Tahoma"/>
+              </a:rPr>
+              <a:t> </a:t>
+            </a:r>
+            <a:r>
+              <a:rPr sz="1300" spc="-10" dirty="0">
+                <a:solidFill>
+                  <a:srgbClr val="595959"/>
+                </a:solidFill>
+                <a:latin typeface="Tahoma"/>
+                <a:cs typeface="Tahoma"/>
+              </a:rPr>
+              <a:t>and</a:t>
+            </a:r>
+            <a:r>
+              <a:rPr sz="1300" spc="-155" dirty="0">
+                <a:solidFill>
+                  <a:srgbClr val="595959"/>
+                </a:solidFill>
+                <a:latin typeface="Tahoma"/>
+                <a:cs typeface="Tahoma"/>
+              </a:rPr>
+              <a:t> </a:t>
+            </a:r>
+            <a:r>
+              <a:rPr sz="1300" spc="15" dirty="0">
+                <a:solidFill>
+                  <a:srgbClr val="595959"/>
+                </a:solidFill>
+                <a:latin typeface="Tahoma"/>
+                <a:cs typeface="Tahoma"/>
+              </a:rPr>
+              <a:t>the</a:t>
+            </a:r>
+            <a:r>
+              <a:rPr sz="1300" spc="-155" dirty="0">
+                <a:solidFill>
+                  <a:srgbClr val="595959"/>
+                </a:solidFill>
+                <a:latin typeface="Tahoma"/>
+                <a:cs typeface="Tahoma"/>
+              </a:rPr>
+              <a:t> </a:t>
+            </a:r>
+            <a:r>
+              <a:rPr sz="1300" spc="35" dirty="0">
+                <a:solidFill>
+                  <a:srgbClr val="595959"/>
+                </a:solidFill>
+                <a:latin typeface="Tahoma"/>
+                <a:cs typeface="Tahoma"/>
+              </a:rPr>
+              <a:t>R2</a:t>
+            </a:r>
+            <a:r>
+              <a:rPr sz="1300" spc="-155" dirty="0">
+                <a:solidFill>
+                  <a:srgbClr val="595959"/>
+                </a:solidFill>
+                <a:latin typeface="Tahoma"/>
+                <a:cs typeface="Tahoma"/>
+              </a:rPr>
+              <a:t> </a:t>
+            </a:r>
+            <a:r>
+              <a:rPr sz="1300" spc="10" dirty="0">
+                <a:solidFill>
+                  <a:srgbClr val="595959"/>
+                </a:solidFill>
+                <a:latin typeface="Tahoma"/>
+                <a:cs typeface="Tahoma"/>
+              </a:rPr>
+              <a:t>score</a:t>
+            </a:r>
+            <a:r>
+              <a:rPr lang="en-US" sz="1300" spc="10" dirty="0">
                 <a:solidFill>
                   <a:srgbClr val="595959"/>
                 </a:solidFill>
@@ -6667,15 +6571,69 @@
               <a:t> was calculated</a:t>
             </a:r>
             <a:r>
-              <a:rPr sz="1300" dirty="0">
-                <a:solidFill>
-                  <a:srgbClr val="595959"/>
-                </a:solidFill>
-                <a:latin typeface="Tahoma"/>
-                <a:cs typeface="Tahoma"/>
-              </a:rPr>
-              <a:t> for each model.</a:t>
-            </a:r>
+              <a:rPr sz="1300" spc="-160" dirty="0">
+                <a:solidFill>
+                  <a:srgbClr val="595959"/>
+                </a:solidFill>
+                <a:latin typeface="Tahoma"/>
+                <a:cs typeface="Tahoma"/>
+              </a:rPr>
+              <a:t> </a:t>
+            </a:r>
+            <a:r>
+              <a:rPr sz="1300" spc="30" dirty="0">
+                <a:solidFill>
+                  <a:srgbClr val="595959"/>
+                </a:solidFill>
+                <a:latin typeface="Tahoma"/>
+                <a:cs typeface="Tahoma"/>
+              </a:rPr>
+              <a:t>for</a:t>
+            </a:r>
+            <a:r>
+              <a:rPr sz="1300" spc="-155" dirty="0">
+                <a:solidFill>
+                  <a:srgbClr val="595959"/>
+                </a:solidFill>
+                <a:latin typeface="Tahoma"/>
+                <a:cs typeface="Tahoma"/>
+              </a:rPr>
+              <a:t> </a:t>
+            </a:r>
+            <a:r>
+              <a:rPr sz="1300" spc="-10" dirty="0">
+                <a:solidFill>
+                  <a:srgbClr val="595959"/>
+                </a:solidFill>
+                <a:latin typeface="Tahoma"/>
+                <a:cs typeface="Tahoma"/>
+              </a:rPr>
+              <a:t>each</a:t>
+            </a:r>
+            <a:r>
+              <a:rPr sz="1300" spc="-160" dirty="0">
+                <a:solidFill>
+                  <a:srgbClr val="595959"/>
+                </a:solidFill>
+                <a:latin typeface="Tahoma"/>
+                <a:cs typeface="Tahoma"/>
+              </a:rPr>
+              <a:t> </a:t>
+            </a:r>
+            <a:r>
+              <a:rPr sz="1300" spc="-15" dirty="0">
+                <a:solidFill>
+                  <a:srgbClr val="595959"/>
+                </a:solidFill>
+                <a:latin typeface="Tahoma"/>
+                <a:cs typeface="Tahoma"/>
+              </a:rPr>
+              <a:t>model.</a:t>
+            </a:r>
+            <a:endParaRPr sz="1300" dirty="0">
+              <a:latin typeface="Tahoma"/>
+              <a:cs typeface="Tahoma"/>
+            </a:endParaRPr>
           </a:p>
           <a:p>
             <a:pPr>
@@ -6774,17 +6732,27 @@
               <a:t> </a:t>
             </a:r>
             <a:r>
-              <a:rPr lang="en-US" sz="1300" spc="25" dirty="0" smtClean="0">
-                <a:solidFill>
-                  <a:srgbClr val="595959"/>
-                </a:solidFill>
-                <a:latin typeface="Tahoma"/>
-                <a:cs typeface="Tahoma"/>
-              </a:rPr>
-              <a:t>second </a:t>
-            </a:r>
-            <a:r>
-              <a:rPr sz="1300" dirty="0" smtClean="0">
+              <a:rPr sz="1300" spc="25" dirty="0">
+                <a:solidFill>
+                  <a:srgbClr val="595959"/>
+                </a:solidFill>
+                <a:latin typeface="Tahoma"/>
+                <a:cs typeface="Tahoma"/>
+              </a:rPr>
+              <a:t>third</a:t>
+            </a:r>
+            <a:r>
+              <a:rPr sz="1300" spc="-160" dirty="0">
+                <a:solidFill>
+                  <a:srgbClr val="595959"/>
+                </a:solidFill>
+                <a:latin typeface="Tahoma"/>
+                <a:cs typeface="Tahoma"/>
+              </a:rPr>
+              <a:t> </a:t>
+            </a:r>
+            <a:r>
+              <a:rPr sz="1300" dirty="0">
                 <a:solidFill>
                   <a:srgbClr val="595959"/>
                 </a:solidFill>
@@ -6794,7 +6762,7 @@
               <a:t>degree</a:t>
             </a:r>
             <a:r>
-              <a:rPr sz="1300" spc="-160" dirty="0" smtClean="0">
+              <a:rPr sz="1300" spc="-160" dirty="0">
                 <a:solidFill>
                   <a:srgbClr val="595959"/>
                 </a:solidFill>
@@ -6924,17 +6892,27 @@
               <a:t> </a:t>
             </a:r>
             <a:r>
-              <a:rPr lang="en-US" sz="1300" spc="25" dirty="0">
-                <a:solidFill>
-                  <a:srgbClr val="595959"/>
-                </a:solidFill>
-                <a:latin typeface="Tahoma"/>
-                <a:cs typeface="Tahoma"/>
-              </a:rPr>
-              <a:t>second </a:t>
-            </a:r>
-            <a:r>
-              <a:rPr sz="1300" dirty="0" smtClean="0">
+              <a:rPr sz="1300" spc="25" dirty="0">
+                <a:solidFill>
+                  <a:srgbClr val="595959"/>
+                </a:solidFill>
+                <a:latin typeface="Tahoma"/>
+                <a:cs typeface="Tahoma"/>
+              </a:rPr>
+              <a:t>third</a:t>
+            </a:r>
+            <a:r>
+              <a:rPr sz="1300" spc="-160" dirty="0">
+                <a:solidFill>
+                  <a:srgbClr val="595959"/>
+                </a:solidFill>
+                <a:latin typeface="Tahoma"/>
+                <a:cs typeface="Tahoma"/>
+              </a:rPr>
+              <a:t> </a:t>
+            </a:r>
+            <a:r>
+              <a:rPr sz="1300" dirty="0">
                 <a:solidFill>
                   <a:srgbClr val="595959"/>
                 </a:solidFill>
@@ -6944,7 +6922,7 @@
               <a:t>degree</a:t>
             </a:r>
             <a:r>
-              <a:rPr sz="1300" spc="-160" dirty="0" smtClean="0">
+              <a:rPr sz="1300" spc="-160" dirty="0">
                 <a:solidFill>
                   <a:srgbClr val="595959"/>
                 </a:solidFill>
@@ -7054,24 +7032,14 @@
               <a:t> </a:t>
             </a:r>
             <a:r>
-              <a:rPr sz="1300" spc="-10" dirty="0" smtClean="0">
-                <a:solidFill>
-                  <a:srgbClr val="595959"/>
-                </a:solidFill>
-                <a:latin typeface="Tahoma"/>
-                <a:cs typeface="Tahoma"/>
-              </a:rPr>
-              <a:t>0.</a:t>
-            </a:r>
-            <a:r>
-              <a:rPr lang="en-US" sz="1300" spc="-10" dirty="0" smtClean="0">
-                <a:solidFill>
-                  <a:srgbClr val="595959"/>
-                </a:solidFill>
-                <a:latin typeface="Tahoma"/>
-                <a:cs typeface="Tahoma"/>
-              </a:rPr>
-              <a:t>005</a:t>
+              <a:rPr sz="1300" spc="-10" dirty="0">
+                <a:solidFill>
+                  <a:srgbClr val="595959"/>
+                </a:solidFill>
+                <a:latin typeface="Tahoma"/>
+                <a:cs typeface="Tahoma"/>
+              </a:rPr>
+              <a:t>0.3</a:t>
             </a:r>
             <a:endParaRPr sz="1300" dirty="0">
               <a:latin typeface="Tahoma"/>
@@ -7164,17 +7132,27 @@
               <a:t> </a:t>
             </a:r>
             <a:r>
-              <a:rPr lang="en-US" sz="1300" spc="25" dirty="0">
-                <a:solidFill>
-                  <a:srgbClr val="595959"/>
-                </a:solidFill>
-                <a:latin typeface="Tahoma"/>
-                <a:cs typeface="Tahoma"/>
-              </a:rPr>
-              <a:t>second </a:t>
-            </a:r>
-            <a:r>
-              <a:rPr sz="1300" dirty="0" smtClean="0">
+              <a:rPr sz="1300" spc="25" dirty="0">
+                <a:solidFill>
+                  <a:srgbClr val="595959"/>
+                </a:solidFill>
+                <a:latin typeface="Tahoma"/>
+                <a:cs typeface="Tahoma"/>
+              </a:rPr>
+              <a:t>third</a:t>
+            </a:r>
+            <a:r>
+              <a:rPr sz="1300" spc="-160" dirty="0">
+                <a:solidFill>
+                  <a:srgbClr val="595959"/>
+                </a:solidFill>
+                <a:latin typeface="Tahoma"/>
+                <a:cs typeface="Tahoma"/>
+              </a:rPr>
+              <a:t> </a:t>
+            </a:r>
+            <a:r>
+              <a:rPr sz="1300" dirty="0">
                 <a:solidFill>
                   <a:srgbClr val="595959"/>
                 </a:solidFill>
@@ -7184,7 +7162,7 @@
               <a:t>degree</a:t>
             </a:r>
             <a:r>
-              <a:rPr sz="1300" spc="-160" dirty="0" smtClean="0">
+              <a:rPr sz="1300" spc="-160" dirty="0">
                 <a:solidFill>
                   <a:srgbClr val="595959"/>
                 </a:solidFill>
@@ -7294,24 +7272,14 @@
               <a:t> </a:t>
             </a:r>
             <a:r>
-              <a:rPr sz="1300" spc="10" dirty="0" smtClean="0">
-                <a:solidFill>
-                  <a:srgbClr val="595959"/>
-                </a:solidFill>
-                <a:latin typeface="Tahoma"/>
-                <a:cs typeface="Tahoma"/>
-              </a:rPr>
-              <a:t>0.0</a:t>
-            </a:r>
-            <a:r>
-              <a:rPr lang="en-US" sz="1300" spc="10" dirty="0" smtClean="0">
-                <a:solidFill>
-                  <a:srgbClr val="595959"/>
-                </a:solidFill>
-                <a:latin typeface="Tahoma"/>
-                <a:cs typeface="Tahoma"/>
-              </a:rPr>
-              <a:t>1</a:t>
+              <a:rPr sz="1300" spc="10" dirty="0">
+                <a:solidFill>
+                  <a:srgbClr val="595959"/>
+                </a:solidFill>
+                <a:latin typeface="Tahoma"/>
+                <a:cs typeface="Tahoma"/>
+              </a:rPr>
+              <a:t>0.005</a:t>
             </a:r>
             <a:endParaRPr sz="1300" dirty="0">
               <a:latin typeface="Tahoma"/>
@@ -7424,17 +7392,27 @@
               <a:t> </a:t>
             </a:r>
             <a:r>
-              <a:rPr lang="en-US" sz="1300" spc="25" dirty="0">
-                <a:solidFill>
-                  <a:srgbClr val="595959"/>
-                </a:solidFill>
-                <a:latin typeface="Tahoma"/>
-                <a:cs typeface="Tahoma"/>
-              </a:rPr>
-              <a:t>second </a:t>
-            </a:r>
-            <a:r>
-              <a:rPr sz="1300" dirty="0" smtClean="0">
+              <a:rPr sz="1300" spc="25" dirty="0">
+                <a:solidFill>
+                  <a:srgbClr val="595959"/>
+                </a:solidFill>
+                <a:latin typeface="Tahoma"/>
+                <a:cs typeface="Tahoma"/>
+              </a:rPr>
+              <a:t>third</a:t>
+            </a:r>
+            <a:r>
+              <a:rPr sz="1300" spc="-155" dirty="0">
+                <a:solidFill>
+                  <a:srgbClr val="595959"/>
+                </a:solidFill>
+                <a:latin typeface="Tahoma"/>
+                <a:cs typeface="Tahoma"/>
+              </a:rPr>
+              <a:t> </a:t>
+            </a:r>
+            <a:r>
+              <a:rPr sz="1300" dirty="0">
                 <a:solidFill>
                   <a:srgbClr val="595959"/>
                 </a:solidFill>
@@ -7444,7 +7422,7 @@
               <a:t>degree</a:t>
             </a:r>
             <a:r>
-              <a:rPr sz="1300" spc="-160" dirty="0" smtClean="0">
+              <a:rPr sz="1300" spc="-160" dirty="0">
                 <a:solidFill>
                   <a:srgbClr val="595959"/>
                 </a:solidFill>
@@ -7818,13 +7796,6 @@
               </a:rPr>
               <a:t>R2 scores.</a:t>
             </a:r>
-            <a:endParaRPr sz="1300" spc="-160" dirty="0">
-              <a:solidFill>
-                <a:srgbClr val="595959"/>
-              </a:solidFill>
-              <a:latin typeface="Tahoma"/>
-              <a:cs typeface="Tahoma"/>
-            </a:endParaRPr>
           </a:p>
         </p:txBody>
       </p:sp>
@@ -7860,21 +7831,15 @@
           <p:nvPr/>
         </p:nvPicPr>
         <p:blipFill>
-          <a:blip r:embed="rId2" cstate="print">
-            <a:extLst>
-              <a:ext uri="{28A0092B-C50C-407E-A947-70E740481C1C}">
-                <a14:useLocalDpi xmlns:a14="http://schemas.microsoft.com/office/drawing/2010/main" val="0"/>
-              </a:ext>
-            </a:extLst>
-          </a:blip>
+          <a:blip r:embed="rId2" cstate="print"/>
           <a:stretch>
             <a:fillRect/>
           </a:stretch>
         </p:blipFill>
         <p:spPr>
           <a:xfrm>
-            <a:off x="194870" y="594500"/>
-            <a:ext cx="4503359" cy="4491920"/>
+            <a:off x="109900" y="594500"/>
+            <a:ext cx="4673299" cy="4491920"/>
           </a:xfrm>
           <a:prstGeom prst="rect">
             <a:avLst/>
@@ -7888,21 +7853,15 @@
           <p:nvPr/>
         </p:nvPicPr>
         <p:blipFill>
-          <a:blip r:embed="rId3">
-            <a:extLst>
-              <a:ext uri="{28A0092B-C50C-407E-A947-70E740481C1C}">
-                <a14:useLocalDpi xmlns:a14="http://schemas.microsoft.com/office/drawing/2010/main" val="0"/>
-              </a:ext>
-            </a:extLst>
-          </a:blip>
+          <a:blip r:embed="rId3" cstate="print"/>
           <a:stretch>
             <a:fillRect/>
           </a:stretch>
         </p:blipFill>
         <p:spPr>
           <a:xfrm>
-            <a:off x="5095531" y="787875"/>
-            <a:ext cx="3519830" cy="3558652"/>
+            <a:off x="4992713" y="787875"/>
+            <a:ext cx="3725466" cy="3558652"/>
           </a:xfrm>
           <a:prstGeom prst="rect">
             <a:avLst/>
@@ -8016,7 +7975,7 @@
         <p:spPr>
           <a:xfrm>
             <a:off x="931383" y="2115578"/>
-            <a:ext cx="4403090" cy="1180836"/>
+            <a:ext cx="4403090" cy="1369927"/>
           </a:xfrm>
           <a:prstGeom prst="rect">
             <a:avLst/>
@@ -8413,7 +8372,7 @@
               <a:t> </a:t>
             </a:r>
             <a:r>
-              <a:rPr sz="1300" spc="-20" dirty="0" smtClean="0">
+              <a:rPr sz="1300" spc="-20" dirty="0">
                 <a:solidFill>
                   <a:srgbClr val="595959"/>
                 </a:solidFill>
@@ -8423,7 +8382,27 @@
               <a:t>among</a:t>
             </a:r>
             <a:r>
-              <a:rPr lang="en-US" sz="1300" spc="-25" dirty="0" smtClean="0">
+              <a:rPr sz="1300" spc="-160" dirty="0">
+                <a:solidFill>
+                  <a:srgbClr val="595959"/>
+                </a:solidFill>
+                <a:latin typeface="Tahoma"/>
+                <a:cs typeface="Tahoma"/>
+              </a:rPr>
+              <a:t> </a:t>
+            </a:r>
+            <a:r>
+              <a:rPr sz="1300" spc="-25" dirty="0">
+                <a:solidFill>
+                  <a:srgbClr val="595959"/>
+                </a:solidFill>
+                <a:latin typeface="Tahoma"/>
+                <a:cs typeface="Tahoma"/>
+              </a:rPr>
+              <a:t>Lasso,</a:t>
+            </a:r>
+            <a:r>
+              <a:rPr lang="en-US" sz="1300" spc="-25" dirty="0">
                 <a:solidFill>
                   <a:srgbClr val="595959"/>
                 </a:solidFill>
@@ -8560,17 +8539,17 @@
               </a:tabLst>
             </a:pPr>
             <a:r>
-              <a:rPr lang="en-US" sz="1300" spc="-5" dirty="0" smtClean="0">
-                <a:solidFill>
-                  <a:srgbClr val="595959"/>
-                </a:solidFill>
-                <a:latin typeface="Tahoma"/>
-                <a:cs typeface="Tahoma"/>
-              </a:rPr>
-              <a:t>Ridge </a:t>
-            </a:r>
-            <a:r>
-              <a:rPr sz="1300" dirty="0" smtClean="0">
+              <a:rPr sz="1300" spc="-5" dirty="0">
+                <a:solidFill>
+                  <a:srgbClr val="595959"/>
+                </a:solidFill>
+                <a:latin typeface="Tahoma"/>
+                <a:cs typeface="Tahoma"/>
+              </a:rPr>
+              <a:t>Lasso </a:t>
+            </a:r>
+            <a:r>
+              <a:rPr sz="1300" dirty="0">
                 <a:solidFill>
                   <a:srgbClr val="595959"/>
                 </a:solidFill>
@@ -8580,7 +8559,7 @@
               <a:t>Regression </a:t>
             </a:r>
             <a:r>
-              <a:rPr lang="en-US" sz="1300" spc="5" dirty="0" smtClean="0">
+              <a:rPr lang="en-US" sz="1300" spc="5" dirty="0">
                 <a:solidFill>
                   <a:srgbClr val="595959"/>
                 </a:solidFill>
@@ -8590,17 +8569,17 @@
               <a:t>was</a:t>
             </a:r>
             <a:r>
-              <a:rPr sz="1300" spc="5" dirty="0" smtClean="0">
-                <a:solidFill>
-                  <a:srgbClr val="595959"/>
-                </a:solidFill>
-                <a:latin typeface="Tahoma"/>
-                <a:cs typeface="Tahoma"/>
-              </a:rPr>
-              <a:t> </a:t>
-            </a:r>
-            <a:r>
-              <a:rPr sz="1300" spc="15" dirty="0" smtClean="0">
+              <a:rPr sz="1300" spc="5" dirty="0">
+                <a:solidFill>
+                  <a:srgbClr val="595959"/>
+                </a:solidFill>
+                <a:latin typeface="Tahoma"/>
+                <a:cs typeface="Tahoma"/>
+              </a:rPr>
+              <a:t> </a:t>
+            </a:r>
+            <a:r>
+              <a:rPr sz="1300" spc="15" dirty="0">
                 <a:solidFill>
                   <a:srgbClr val="595959"/>
                 </a:solidFill>
@@ -8617,311 +8596,187 @@
                 <a:latin typeface="Tahoma"/>
                 <a:cs typeface="Tahoma"/>
               </a:rPr>
-              <a:t>best model (</a:t>
-            </a:r>
-            <a:r>
-              <a:rPr sz="1300" spc="5" dirty="0" smtClean="0">
-                <a:solidFill>
-                  <a:srgbClr val="595959"/>
-                </a:solidFill>
-                <a:latin typeface="Tahoma"/>
-                <a:cs typeface="Tahoma"/>
-              </a:rPr>
-              <a:t>R2=</a:t>
-            </a:r>
-            <a:r>
-              <a:rPr lang="en-US" sz="1300" spc="5" dirty="0" smtClean="0">
-                <a:solidFill>
-                  <a:srgbClr val="595959"/>
-                </a:solidFill>
-                <a:latin typeface="Tahoma"/>
-                <a:cs typeface="Tahoma"/>
-              </a:rPr>
-              <a:t>0.89836</a:t>
-            </a:r>
-            <a:r>
-              <a:rPr sz="1300" spc="5" dirty="0">
-                <a:solidFill>
-                  <a:srgbClr val="595959"/>
-                </a:solidFill>
-                <a:latin typeface="Tahoma"/>
-                <a:cs typeface="Tahoma"/>
-              </a:rPr>
-              <a:t>)</a:t>
-            </a:r>
-            <a:endParaRPr sz="1300" spc="5" dirty="0">
-              <a:solidFill>
-                <a:srgbClr val="595959"/>
-              </a:solidFill>
+              <a:t>best model </a:t>
+            </a:r>
+            <a:r>
+              <a:rPr sz="1300" spc="-30" dirty="0">
+                <a:solidFill>
+                  <a:srgbClr val="595959"/>
+                </a:solidFill>
+                <a:latin typeface="Tahoma"/>
+                <a:cs typeface="Tahoma"/>
+              </a:rPr>
+              <a:t>(R2=0.8837), </a:t>
+            </a:r>
+            <a:r>
+              <a:rPr sz="1300" spc="-10" dirty="0">
+                <a:solidFill>
+                  <a:srgbClr val="595959"/>
+                </a:solidFill>
+                <a:latin typeface="Tahoma"/>
+                <a:cs typeface="Tahoma"/>
+              </a:rPr>
+              <a:t>and </a:t>
+            </a:r>
+            <a:r>
+              <a:rPr sz="1300" spc="40" dirty="0">
+                <a:solidFill>
+                  <a:srgbClr val="595959"/>
+                </a:solidFill>
+                <a:latin typeface="Tahoma"/>
+                <a:cs typeface="Tahoma"/>
+              </a:rPr>
+              <a:t>it </a:t>
+            </a:r>
+            <a:r>
+              <a:rPr sz="1300" spc="-395" dirty="0">
+                <a:solidFill>
+                  <a:srgbClr val="595959"/>
+                </a:solidFill>
+                <a:latin typeface="Tahoma"/>
+                <a:cs typeface="Tahoma"/>
+              </a:rPr>
+              <a:t> </a:t>
+            </a:r>
+            <a:r>
+              <a:rPr sz="1300" dirty="0">
+                <a:solidFill>
+                  <a:srgbClr val="595959"/>
+                </a:solidFill>
+                <a:latin typeface="Tahoma"/>
+                <a:cs typeface="Tahoma"/>
+              </a:rPr>
+              <a:t>also</a:t>
+            </a:r>
+            <a:r>
+              <a:rPr sz="1300" spc="-160" dirty="0">
+                <a:solidFill>
+                  <a:srgbClr val="595959"/>
+                </a:solidFill>
+                <a:latin typeface="Tahoma"/>
+                <a:cs typeface="Tahoma"/>
+              </a:rPr>
+              <a:t> </a:t>
+            </a:r>
+            <a:r>
+              <a:rPr lang="en-US" sz="1300" spc="10" dirty="0">
+                <a:solidFill>
+                  <a:srgbClr val="595959"/>
+                </a:solidFill>
+                <a:latin typeface="Tahoma"/>
+                <a:cs typeface="Tahoma"/>
+              </a:rPr>
+              <a:t>shrunk</a:t>
+            </a:r>
+            <a:r>
+              <a:rPr sz="1300" spc="-160" dirty="0">
+                <a:solidFill>
+                  <a:srgbClr val="595959"/>
+                </a:solidFill>
+                <a:latin typeface="Tahoma"/>
+                <a:cs typeface="Tahoma"/>
+              </a:rPr>
+              <a:t> </a:t>
+            </a:r>
+            <a:r>
+              <a:rPr sz="1300" spc="-10" dirty="0">
+                <a:solidFill>
+                  <a:srgbClr val="595959"/>
+                </a:solidFill>
+                <a:latin typeface="Tahoma"/>
+                <a:cs typeface="Tahoma"/>
+              </a:rPr>
+              <a:t>some</a:t>
+            </a:r>
+            <a:r>
+              <a:rPr sz="1300" spc="-160" dirty="0">
+                <a:solidFill>
+                  <a:srgbClr val="595959"/>
+                </a:solidFill>
+                <a:latin typeface="Tahoma"/>
+                <a:cs typeface="Tahoma"/>
+              </a:rPr>
+              <a:t> </a:t>
+            </a:r>
+            <a:r>
+              <a:rPr sz="1300" spc="20" dirty="0">
+                <a:solidFill>
+                  <a:srgbClr val="595959"/>
+                </a:solidFill>
+                <a:latin typeface="Tahoma"/>
+                <a:cs typeface="Tahoma"/>
+              </a:rPr>
+              <a:t>of</a:t>
+            </a:r>
+            <a:r>
+              <a:rPr sz="1300" spc="-155" dirty="0">
+                <a:solidFill>
+                  <a:srgbClr val="595959"/>
+                </a:solidFill>
+                <a:latin typeface="Tahoma"/>
+                <a:cs typeface="Tahoma"/>
+              </a:rPr>
+              <a:t> </a:t>
+            </a:r>
+            <a:r>
+              <a:rPr sz="1300" spc="15" dirty="0">
+                <a:solidFill>
+                  <a:srgbClr val="595959"/>
+                </a:solidFill>
+                <a:latin typeface="Tahoma"/>
+                <a:cs typeface="Tahoma"/>
+              </a:rPr>
+              <a:t>the</a:t>
+            </a:r>
+            <a:r>
+              <a:rPr sz="1300" spc="-160" dirty="0">
+                <a:solidFill>
+                  <a:srgbClr val="595959"/>
+                </a:solidFill>
+                <a:latin typeface="Tahoma"/>
+                <a:cs typeface="Tahoma"/>
+              </a:rPr>
+              <a:t> </a:t>
+            </a:r>
+            <a:r>
+              <a:rPr sz="1300" dirty="0">
+                <a:solidFill>
+                  <a:srgbClr val="595959"/>
+                </a:solidFill>
+                <a:latin typeface="Tahoma"/>
+                <a:cs typeface="Tahoma"/>
+              </a:rPr>
+              <a:t>coefﬁcients.</a:t>
+            </a:r>
+            <a:endParaRPr sz="1300" dirty="0">
               <a:latin typeface="Tahoma"/>
               <a:cs typeface="Tahoma"/>
             </a:endParaRPr>
           </a:p>
         </p:txBody>
       </p:sp>
-      <p:graphicFrame>
-        <p:nvGraphicFramePr>
-          <p:cNvPr id="5" name="Table 4"/>
-          <p:cNvGraphicFramePr>
-            <a:graphicFrameLocks noGrp="1"/>
-          </p:cNvGraphicFramePr>
-          <p:nvPr>
-            <p:extLst>
-              <p:ext uri="{D42A27DB-BD31-4B8C-83A1-F6EECF244321}">
-                <p14:modId xmlns:p14="http://schemas.microsoft.com/office/powerpoint/2010/main" val="4146531802"/>
-              </p:ext>
-            </p:extLst>
-          </p:nvPr>
-        </p:nvGraphicFramePr>
-        <p:xfrm>
-          <a:off x="5181600" y="1751684"/>
-          <a:ext cx="3886200" cy="1854200"/>
-        </p:xfrm>
-        <a:graphic>
-          <a:graphicData uri="http://schemas.openxmlformats.org/drawingml/2006/table">
-            <a:tbl>
-              <a:tblPr firstRow="1" bandRow="1">
-                <a:tableStyleId>{5C22544A-7EE6-4342-B048-85BDC9FD1C3A}</a:tableStyleId>
-              </a:tblPr>
-              <a:tblGrid>
-                <a:gridCol w="2133600"/>
-                <a:gridCol w="1752600"/>
-              </a:tblGrid>
-              <a:tr h="370840">
-                <a:tc>
-                  <a:txBody>
-                    <a:bodyPr/>
-                    <a:lstStyle/>
-                    <a:p>
-                      <a:r>
-                        <a:rPr lang="en-US" sz="1400" dirty="0" smtClean="0"/>
-                        <a:t>MODEL</a:t>
-                      </a:r>
-                      <a:endParaRPr lang="en-US" sz="1400" dirty="0"/>
-                    </a:p>
-                  </a:txBody>
-                  <a:tcPr/>
-                </a:tc>
-                <a:tc>
-                  <a:txBody>
-                    <a:bodyPr/>
-                    <a:lstStyle/>
-                    <a:p>
-                      <a:r>
-                        <a:rPr lang="en-US" sz="1400" dirty="0" smtClean="0"/>
-                        <a:t>AVERAGE R2</a:t>
-                      </a:r>
-                      <a:r>
-                        <a:rPr lang="en-US" sz="1400" baseline="0" dirty="0" smtClean="0"/>
-                        <a:t> SCORE</a:t>
-                      </a:r>
-                      <a:endParaRPr lang="en-US" sz="1400" dirty="0"/>
-                    </a:p>
-                  </a:txBody>
-                  <a:tcPr/>
-                </a:tc>
-              </a:tr>
-              <a:tr h="370840">
-                <a:tc>
-                  <a:txBody>
-                    <a:bodyPr/>
-                    <a:lstStyle/>
-                    <a:p>
-                      <a:r>
-                        <a:rPr lang="en-US" sz="1400" dirty="0" smtClean="0"/>
-                        <a:t>LINEAR REGRESSION</a:t>
-                      </a:r>
-                      <a:endParaRPr lang="en-US" sz="1400" dirty="0"/>
-                    </a:p>
-                  </a:txBody>
-                  <a:tcPr/>
-                </a:tc>
-                <a:tc>
-                  <a:txBody>
-                    <a:bodyPr/>
-                    <a:lstStyle/>
-                    <a:p>
-                      <a:r>
-                        <a:rPr lang="en-US" sz="1400" dirty="0" smtClean="0"/>
-                        <a:t>0.8983</a:t>
-                      </a:r>
-                      <a:r>
-                        <a:rPr lang="en-US" sz="1400" dirty="0" smtClean="0"/>
-                        <a:t>599425</a:t>
-                      </a:r>
-                      <a:endParaRPr lang="en-US" sz="1400" dirty="0"/>
-                    </a:p>
-                  </a:txBody>
-                  <a:tcPr/>
-                </a:tc>
-              </a:tr>
-              <a:tr h="370840">
-                <a:tc>
-                  <a:txBody>
-                    <a:bodyPr/>
-                    <a:lstStyle/>
-                    <a:p>
-                      <a:pPr marL="0" marR="0" lvl="0" indent="0" defTabSz="914400" eaLnBrk="1" fontAlgn="auto" latinLnBrk="0" hangingPunct="1">
-                        <a:lnSpc>
-                          <a:spcPct val="100000"/>
-                        </a:lnSpc>
-                        <a:spcBef>
-                          <a:spcPts val="0"/>
-                        </a:spcBef>
-                        <a:spcAft>
-                          <a:spcPts val="0"/>
-                        </a:spcAft>
-                        <a:buClrTx/>
-                        <a:buSzTx/>
-                        <a:buFontTx/>
-                        <a:buNone/>
-                        <a:tabLst/>
-                        <a:defRPr/>
-                      </a:pPr>
-                      <a:r>
-                        <a:rPr lang="en-US" sz="1400" dirty="0" smtClean="0"/>
-                        <a:t>RIDGE REGRESSION</a:t>
-                      </a:r>
-                    </a:p>
-                  </a:txBody>
-                  <a:tcPr/>
-                </a:tc>
-                <a:tc>
-                  <a:txBody>
-                    <a:bodyPr/>
-                    <a:lstStyle/>
-                    <a:p>
-                      <a:pPr marL="0" marR="0" lvl="0" indent="0" defTabSz="914400" eaLnBrk="1" fontAlgn="auto" latinLnBrk="0" hangingPunct="1">
-                        <a:lnSpc>
-                          <a:spcPct val="100000"/>
-                        </a:lnSpc>
-                        <a:spcBef>
-                          <a:spcPts val="0"/>
-                        </a:spcBef>
-                        <a:spcAft>
-                          <a:spcPts val="0"/>
-                        </a:spcAft>
-                        <a:buClrTx/>
-                        <a:buSzTx/>
-                        <a:buFontTx/>
-                        <a:buNone/>
-                        <a:tabLst/>
-                        <a:defRPr/>
-                      </a:pPr>
-                      <a:r>
-                        <a:rPr lang="en-US" sz="1400" dirty="0" smtClean="0"/>
-                        <a:t>0.8983599426</a:t>
-                      </a:r>
-                    </a:p>
-                  </a:txBody>
-                  <a:tcPr/>
-                </a:tc>
-              </a:tr>
-              <a:tr h="370840">
-                <a:tc>
-                  <a:txBody>
-                    <a:bodyPr/>
-                    <a:lstStyle/>
-                    <a:p>
-                      <a:r>
-                        <a:rPr lang="en-US" sz="1400" dirty="0" smtClean="0"/>
-                        <a:t>LASSO REGRESSION</a:t>
-                      </a:r>
-                      <a:endParaRPr lang="en-US" sz="1400" dirty="0"/>
-                    </a:p>
-                  </a:txBody>
-                  <a:tcPr/>
-                </a:tc>
-                <a:tc>
-                  <a:txBody>
-                    <a:bodyPr/>
-                    <a:lstStyle/>
-                    <a:p>
-                      <a:pPr marL="0" marR="0" lvl="0" indent="0" defTabSz="914400" eaLnBrk="1" fontAlgn="auto" latinLnBrk="0" hangingPunct="1">
-                        <a:lnSpc>
-                          <a:spcPct val="100000"/>
-                        </a:lnSpc>
-                        <a:spcBef>
-                          <a:spcPts val="0"/>
-                        </a:spcBef>
-                        <a:spcAft>
-                          <a:spcPts val="0"/>
-                        </a:spcAft>
-                        <a:buClrTx/>
-                        <a:buSzTx/>
-                        <a:buFontTx/>
-                        <a:buNone/>
-                        <a:tabLst/>
-                        <a:defRPr/>
-                      </a:pPr>
-                      <a:r>
-                        <a:rPr lang="en-US" sz="1400" dirty="0" smtClean="0"/>
-                        <a:t>0.8351891955</a:t>
-                      </a:r>
-                    </a:p>
-                  </a:txBody>
-                  <a:tcPr/>
-                </a:tc>
-              </a:tr>
-              <a:tr h="370840">
-                <a:tc>
-                  <a:txBody>
-                    <a:bodyPr/>
-                    <a:lstStyle/>
-                    <a:p>
-                      <a:pPr marL="0" marR="0" lvl="0" indent="0" defTabSz="914400" eaLnBrk="1" fontAlgn="auto" latinLnBrk="0" hangingPunct="1">
-                        <a:lnSpc>
-                          <a:spcPct val="100000"/>
-                        </a:lnSpc>
-                        <a:spcBef>
-                          <a:spcPts val="0"/>
-                        </a:spcBef>
-                        <a:spcAft>
-                          <a:spcPts val="0"/>
-                        </a:spcAft>
-                        <a:buClrTx/>
-                        <a:buSzTx/>
-                        <a:buFontTx/>
-                        <a:buNone/>
-                        <a:tabLst/>
-                        <a:defRPr/>
-                      </a:pPr>
-                      <a:r>
-                        <a:rPr lang="en-US" sz="1400" dirty="0" smtClean="0"/>
-                        <a:t>ELASTIC</a:t>
-                      </a:r>
-                      <a:r>
-                        <a:rPr lang="en-US" sz="1400" baseline="0" dirty="0" smtClean="0"/>
-                        <a:t> NET </a:t>
-                      </a:r>
-                      <a:r>
-                        <a:rPr lang="en-US" sz="1400" dirty="0" smtClean="0"/>
-                        <a:t>REGRESSION</a:t>
-                      </a:r>
-                      <a:endParaRPr lang="en-US" sz="1400" dirty="0" smtClean="0"/>
-                    </a:p>
-                  </a:txBody>
-                  <a:tcPr/>
-                </a:tc>
-                <a:tc>
-                  <a:txBody>
-                    <a:bodyPr/>
-                    <a:lstStyle/>
-                    <a:p>
-                      <a:r>
-                        <a:rPr lang="en-US" sz="1400" dirty="0" smtClean="0"/>
-                        <a:t>0.8738715783</a:t>
-                      </a:r>
-                      <a:endParaRPr lang="en-US" sz="1400" dirty="0"/>
-                    </a:p>
-                  </a:txBody>
-                  <a:tcPr/>
-                </a:tc>
-              </a:tr>
-            </a:tbl>
-          </a:graphicData>
-        </a:graphic>
-      </p:graphicFrame>
+      <p:pic>
+        <p:nvPicPr>
+          <p:cNvPr id="4" name="object 4"/>
+          <p:cNvPicPr/>
+          <p:nvPr/>
+        </p:nvPicPr>
+        <p:blipFill>
+          <a:blip r:embed="rId2" cstate="print"/>
+          <a:stretch>
+            <a:fillRect/>
+          </a:stretch>
+        </p:blipFill>
+        <p:spPr>
+          <a:xfrm>
+            <a:off x="5928509" y="2149734"/>
+            <a:ext cx="2196652" cy="1558909"/>
+          </a:xfrm>
+          <a:prstGeom prst="rect">
+            <a:avLst/>
+          </a:prstGeom>
+        </p:spPr>
+      </p:pic>
     </p:spTree>
   </p:cSld>
   <p:clrMapOvr>
@@ -8959,8 +8814,8 @@
         </p:nvSpPr>
         <p:spPr>
           <a:xfrm>
-            <a:off x="802475" y="1379787"/>
-            <a:ext cx="1616710" cy="382270"/>
+            <a:off x="802474" y="1379787"/>
+            <a:ext cx="3845725" cy="371897"/>
           </a:xfrm>
           <a:prstGeom prst="rect">
             <a:avLst/>
@@ -8981,14 +8836,42 @@
               </a:spcBef>
             </a:pPr>
             <a:r>
-              <a:rPr sz="2300" spc="190" dirty="0"/>
-              <a:t>C</a:t>
-            </a:r>
-            <a:r>
-              <a:rPr sz="2300" spc="75" dirty="0"/>
-              <a:t>onclusion</a:t>
-            </a:r>
-            <a:endParaRPr sz="2300"/>
+              <a:rPr lang="en-US" sz="2300" spc="40" dirty="0"/>
+              <a:t>Predictions</a:t>
+            </a:r>
+            <a:r>
+              <a:rPr lang="en-US" sz="2300" spc="-145" dirty="0"/>
+              <a:t> </a:t>
+            </a:r>
+            <a:r>
+              <a:rPr lang="en-US" sz="2300" spc="85" dirty="0"/>
+              <a:t>on</a:t>
+            </a:r>
+            <a:r>
+              <a:rPr lang="en-US" sz="2300" spc="-140" dirty="0"/>
+              <a:t> </a:t>
+            </a:r>
+            <a:r>
+              <a:rPr lang="en-US" sz="2300" spc="35" dirty="0"/>
+              <a:t>the</a:t>
+            </a:r>
+            <a:r>
+              <a:rPr lang="en-US" sz="2300" spc="-145" dirty="0"/>
+              <a:t> </a:t>
+            </a:r>
+            <a:r>
+              <a:rPr lang="en-US" sz="2300" spc="45" dirty="0"/>
+              <a:t>Test</a:t>
+            </a:r>
+            <a:r>
+              <a:rPr lang="en-US" sz="2300" spc="-140" dirty="0"/>
+              <a:t> </a:t>
+            </a:r>
+            <a:r>
+              <a:rPr lang="en-US" sz="2300" spc="70" dirty="0"/>
+              <a:t>Set</a:t>
+            </a:r>
+            <a:endParaRPr sz="2300" dirty="0"/>
           </a:p>
         </p:txBody>
       </p:sp>
@@ -9000,36 +8883,136 @@
         </p:nvSpPr>
         <p:spPr>
           <a:xfrm>
-            <a:off x="802475" y="1960371"/>
-            <a:ext cx="7986395" cy="1760738"/>
+            <a:off x="802475" y="2115578"/>
+            <a:ext cx="7489190" cy="679738"/>
           </a:xfrm>
           <a:prstGeom prst="rect">
             <a:avLst/>
           </a:prstGeom>
         </p:spPr>
         <p:txBody>
-          <a:bodyPr vert="horz" wrap="square" lIns="0" tIns="2540" rIns="0" bIns="0" rtlCol="0">
+          <a:bodyPr vert="horz" wrap="square" lIns="0" tIns="12700" rIns="0" bIns="0" rtlCol="0">
             <a:spAutoFit/>
           </a:bodyPr>
           <a:lstStyle/>
           <a:p>
             <a:pPr marL="12700" marR="5080">
               <a:lnSpc>
-                <a:spcPct val="105000"/>
+                <a:spcPct val="114999"/>
               </a:lnSpc>
               <a:spcBef>
-                <a:spcPts val="20"/>
+                <a:spcPts val="100"/>
               </a:spcBef>
             </a:pPr>
             <a:r>
-              <a:rPr lang="en-US" sz="1300" spc="20" dirty="0">
-                <a:solidFill>
-                  <a:srgbClr val="595959"/>
-                </a:solidFill>
-                <a:latin typeface="Tahoma"/>
-                <a:cs typeface="Tahoma"/>
-              </a:rPr>
-              <a:t>The</a:t>
+              <a:rPr lang="en-US" sz="1300" spc="30" dirty="0">
+                <a:solidFill>
+                  <a:srgbClr val="595959"/>
+                </a:solidFill>
+                <a:latin typeface="Tahoma"/>
+                <a:cs typeface="Tahoma"/>
+              </a:rPr>
+              <a:t>The n</a:t>
+            </a:r>
+            <a:r>
+              <a:rPr sz="1300" spc="30" dirty="0">
+                <a:solidFill>
+                  <a:srgbClr val="595959"/>
+                </a:solidFill>
+                <a:latin typeface="Tahoma"/>
+                <a:cs typeface="Tahoma"/>
+              </a:rPr>
+              <a:t>ext</a:t>
+            </a:r>
+            <a:r>
+              <a:rPr sz="1300" spc="-155" dirty="0">
+                <a:solidFill>
+                  <a:srgbClr val="595959"/>
+                </a:solidFill>
+                <a:latin typeface="Tahoma"/>
+                <a:cs typeface="Tahoma"/>
+              </a:rPr>
+              <a:t> </a:t>
+            </a:r>
+            <a:r>
+              <a:rPr sz="1300" spc="-25" dirty="0">
+                <a:solidFill>
+                  <a:srgbClr val="595959"/>
+                </a:solidFill>
+                <a:latin typeface="Tahoma"/>
+                <a:cs typeface="Tahoma"/>
+              </a:rPr>
+              <a:t>page</a:t>
+            </a:r>
+            <a:r>
+              <a:rPr sz="1300" spc="-155" dirty="0">
+                <a:solidFill>
+                  <a:srgbClr val="595959"/>
+                </a:solidFill>
+                <a:latin typeface="Tahoma"/>
+                <a:cs typeface="Tahoma"/>
+              </a:rPr>
+              <a:t> </a:t>
+            </a:r>
+            <a:r>
+              <a:rPr sz="1300" dirty="0">
+                <a:solidFill>
+                  <a:srgbClr val="595959"/>
+                </a:solidFill>
+                <a:latin typeface="Tahoma"/>
+                <a:cs typeface="Tahoma"/>
+              </a:rPr>
+              <a:t>shows</a:t>
+            </a:r>
+            <a:r>
+              <a:rPr sz="1300" spc="-155" dirty="0">
+                <a:solidFill>
+                  <a:srgbClr val="595959"/>
+                </a:solidFill>
+                <a:latin typeface="Tahoma"/>
+                <a:cs typeface="Tahoma"/>
+              </a:rPr>
+              <a:t> </a:t>
+            </a:r>
+            <a:r>
+              <a:rPr sz="1300" spc="-25" dirty="0">
+                <a:solidFill>
+                  <a:srgbClr val="595959"/>
+                </a:solidFill>
+                <a:latin typeface="Tahoma"/>
+                <a:cs typeface="Tahoma"/>
+              </a:rPr>
+              <a:t>a</a:t>
+            </a:r>
+            <a:r>
+              <a:rPr sz="1300" spc="-155" dirty="0">
+                <a:solidFill>
+                  <a:srgbClr val="595959"/>
+                </a:solidFill>
+                <a:latin typeface="Tahoma"/>
+                <a:cs typeface="Tahoma"/>
+              </a:rPr>
+              <a:t> </a:t>
+            </a:r>
+            <a:r>
+              <a:rPr sz="1300" spc="25" dirty="0">
+                <a:solidFill>
+                  <a:srgbClr val="595959"/>
+                </a:solidFill>
+                <a:latin typeface="Tahoma"/>
+                <a:cs typeface="Tahoma"/>
+              </a:rPr>
+              <a:t>plot</a:t>
+            </a:r>
+            <a:r>
+              <a:rPr sz="1300" spc="-155" dirty="0">
+                <a:solidFill>
+                  <a:srgbClr val="595959"/>
+                </a:solidFill>
+                <a:latin typeface="Tahoma"/>
+                <a:cs typeface="Tahoma"/>
+              </a:rPr>
+              <a:t> </a:t>
             </a:r>
             <a:r>
               <a:rPr sz="1300" spc="20" dirty="0">
@@ -9039,17 +9022,57 @@
                 <a:latin typeface="Tahoma"/>
                 <a:cs typeface="Tahoma"/>
               </a:rPr>
-              <a:t> analysis shows that </a:t>
-            </a:r>
-            <a:r>
-              <a:rPr lang="en-US" sz="1300" spc="20" dirty="0">
-                <a:solidFill>
-                  <a:srgbClr val="595959"/>
-                </a:solidFill>
-                <a:latin typeface="Tahoma"/>
-                <a:cs typeface="Tahoma"/>
-              </a:rPr>
-              <a:t>F</a:t>
+              <a:t>of</a:t>
+            </a:r>
+            <a:r>
+              <a:rPr sz="1300" spc="-155" dirty="0">
+                <a:solidFill>
+                  <a:srgbClr val="595959"/>
+                </a:solidFill>
+                <a:latin typeface="Tahoma"/>
+                <a:cs typeface="Tahoma"/>
+              </a:rPr>
+              <a:t> </a:t>
+            </a:r>
+            <a:r>
+              <a:rPr sz="1300" spc="10" dirty="0">
+                <a:solidFill>
+                  <a:srgbClr val="595959"/>
+                </a:solidFill>
+                <a:latin typeface="Tahoma"/>
+                <a:cs typeface="Tahoma"/>
+              </a:rPr>
+              <a:t>feature</a:t>
+            </a:r>
+            <a:r>
+              <a:rPr sz="1300" spc="-155" dirty="0">
+                <a:solidFill>
+                  <a:srgbClr val="595959"/>
+                </a:solidFill>
+                <a:latin typeface="Tahoma"/>
+                <a:cs typeface="Tahoma"/>
+              </a:rPr>
+              <a:t> </a:t>
+            </a:r>
+            <a:r>
+              <a:rPr sz="1300" spc="10" dirty="0">
+                <a:solidFill>
+                  <a:srgbClr val="595959"/>
+                </a:solidFill>
+                <a:latin typeface="Tahoma"/>
+                <a:cs typeface="Tahoma"/>
+              </a:rPr>
+              <a:t>importance</a:t>
+            </a:r>
+            <a:r>
+              <a:rPr sz="1300" spc="-150" dirty="0">
+                <a:solidFill>
+                  <a:srgbClr val="595959"/>
+                </a:solidFill>
+                <a:latin typeface="Tahoma"/>
+                <a:cs typeface="Tahoma"/>
+              </a:rPr>
+              <a:t> </a:t>
             </a:r>
             <a:r>
               <a:rPr sz="1300" spc="20" dirty="0">
@@ -9059,461 +9082,287 @@
                 <a:latin typeface="Tahoma"/>
                 <a:cs typeface="Tahoma"/>
               </a:rPr>
-              <a:t>eature </a:t>
-            </a:r>
-            <a:r>
-              <a:rPr lang="en-US" sz="1300" spc="20" dirty="0">
-                <a:solidFill>
-                  <a:srgbClr val="595959"/>
-                </a:solidFill>
-                <a:latin typeface="Tahoma"/>
-                <a:cs typeface="Tahoma"/>
-              </a:rPr>
-              <a:t>E</a:t>
-            </a:r>
-            <a:r>
-              <a:rPr sz="1300" spc="20" dirty="0">
-                <a:solidFill>
-                  <a:srgbClr val="595959"/>
-                </a:solidFill>
-                <a:latin typeface="Tahoma"/>
-                <a:cs typeface="Tahoma"/>
-              </a:rPr>
-              <a:t>ngineering ha</a:t>
-            </a:r>
-            <a:r>
-              <a:rPr lang="en-US" sz="1300" spc="20" dirty="0">
-                <a:solidFill>
-                  <a:srgbClr val="595959"/>
-                </a:solidFill>
-                <a:latin typeface="Tahoma"/>
-                <a:cs typeface="Tahoma"/>
-              </a:rPr>
-              <a:t>s</a:t>
-            </a:r>
-            <a:r>
-              <a:rPr sz="1300" spc="20" dirty="0">
-                <a:solidFill>
-                  <a:srgbClr val="595959"/>
-                </a:solidFill>
-                <a:latin typeface="Tahoma"/>
-                <a:cs typeface="Tahoma"/>
-              </a:rPr>
-              <a:t> a large effect on the model performance, and if the data</a:t>
-            </a:r>
-            <a:r>
-              <a:rPr lang="en-US" sz="1300" spc="20" dirty="0">
-                <a:solidFill>
-                  <a:srgbClr val="595959"/>
-                </a:solidFill>
-                <a:latin typeface="Tahoma"/>
-                <a:cs typeface="Tahoma"/>
-              </a:rPr>
-              <a:t> is </a:t>
-            </a:r>
-            <a:r>
-              <a:rPr sz="1300" spc="20" dirty="0">
-                <a:solidFill>
-                  <a:srgbClr val="595959"/>
-                </a:solidFill>
-                <a:latin typeface="Tahoma"/>
-                <a:cs typeface="Tahoma"/>
-              </a:rPr>
-              <a:t>sufﬁciently large, </a:t>
-            </a:r>
-            <a:r>
-              <a:rPr lang="en-US" sz="1300" spc="20" dirty="0">
-                <a:solidFill>
-                  <a:srgbClr val="595959"/>
-                </a:solidFill>
-                <a:latin typeface="Tahoma"/>
-                <a:cs typeface="Tahoma"/>
-              </a:rPr>
-              <a:t>C</a:t>
-            </a:r>
-            <a:r>
-              <a:rPr sz="1300" spc="20" dirty="0">
-                <a:solidFill>
-                  <a:srgbClr val="595959"/>
-                </a:solidFill>
-                <a:latin typeface="Tahoma"/>
-                <a:cs typeface="Tahoma"/>
-              </a:rPr>
-              <a:t>ross-</a:t>
-            </a:r>
-            <a:r>
-              <a:rPr lang="en-US" sz="1300" spc="20" dirty="0">
-                <a:solidFill>
-                  <a:srgbClr val="595959"/>
-                </a:solidFill>
-                <a:latin typeface="Tahoma"/>
-                <a:cs typeface="Tahoma"/>
-              </a:rPr>
-              <a:t>V</a:t>
-            </a:r>
-            <a:r>
-              <a:rPr sz="1300" spc="20" dirty="0">
-                <a:solidFill>
-                  <a:srgbClr val="595959"/>
-                </a:solidFill>
-                <a:latin typeface="Tahoma"/>
-                <a:cs typeface="Tahoma"/>
-              </a:rPr>
-              <a:t>alidation should be preferred over </a:t>
-            </a:r>
-            <a:r>
-              <a:rPr lang="en-US" sz="1300" spc="20" dirty="0">
-                <a:solidFill>
-                  <a:srgbClr val="595959"/>
-                </a:solidFill>
-                <a:latin typeface="Tahoma"/>
-                <a:cs typeface="Tahoma"/>
-              </a:rPr>
-              <a:t>T</a:t>
-            </a:r>
-            <a:r>
-              <a:rPr sz="1300" spc="20" dirty="0">
-                <a:solidFill>
-                  <a:srgbClr val="595959"/>
-                </a:solidFill>
-                <a:latin typeface="Tahoma"/>
-                <a:cs typeface="Tahoma"/>
-              </a:rPr>
-              <a:t>rain-</a:t>
-            </a:r>
-            <a:r>
-              <a:rPr lang="en-US" sz="1300" spc="20" dirty="0">
-                <a:solidFill>
-                  <a:srgbClr val="595959"/>
-                </a:solidFill>
-                <a:latin typeface="Tahoma"/>
-                <a:cs typeface="Tahoma"/>
-              </a:rPr>
-              <a:t>T</a:t>
-            </a:r>
-            <a:r>
-              <a:rPr sz="1300" spc="20" dirty="0">
-                <a:solidFill>
-                  <a:srgbClr val="595959"/>
-                </a:solidFill>
-                <a:latin typeface="Tahoma"/>
-                <a:cs typeface="Tahoma"/>
-              </a:rPr>
-              <a:t>est-</a:t>
-            </a:r>
-            <a:r>
-              <a:rPr lang="en-US" sz="1300" spc="20" dirty="0">
-                <a:solidFill>
-                  <a:srgbClr val="595959"/>
-                </a:solidFill>
-                <a:latin typeface="Tahoma"/>
-                <a:cs typeface="Tahoma"/>
-              </a:rPr>
-              <a:t>S</a:t>
-            </a:r>
-            <a:r>
-              <a:rPr sz="1300" spc="20" dirty="0">
-                <a:solidFill>
-                  <a:srgbClr val="595959"/>
-                </a:solidFill>
-                <a:latin typeface="Tahoma"/>
-                <a:cs typeface="Tahoma"/>
-              </a:rPr>
-              <a:t>plit to </a:t>
-            </a:r>
-            <a:r>
-              <a:rPr lang="en-US" sz="1300" spc="20" dirty="0">
-                <a:solidFill>
-                  <a:srgbClr val="595959"/>
-                </a:solidFill>
-                <a:latin typeface="Tahoma"/>
-                <a:cs typeface="Tahoma"/>
-              </a:rPr>
-              <a:t>perform the</a:t>
-            </a:r>
-            <a:r>
-              <a:rPr sz="1300" spc="20" dirty="0">
-                <a:solidFill>
-                  <a:srgbClr val="595959"/>
-                </a:solidFill>
-                <a:latin typeface="Tahoma"/>
-                <a:cs typeface="Tahoma"/>
-              </a:rPr>
-              <a:t> model evaluation. In  </a:t>
-            </a:r>
-            <a:r>
-              <a:rPr lang="en-US" sz="1300" spc="20" dirty="0">
-                <a:solidFill>
-                  <a:srgbClr val="595959"/>
-                </a:solidFill>
-                <a:latin typeface="Tahoma"/>
-                <a:cs typeface="Tahoma"/>
-              </a:rPr>
-              <a:t>this</a:t>
-            </a:r>
-            <a:r>
-              <a:rPr sz="1300" spc="20" dirty="0">
-                <a:solidFill>
-                  <a:srgbClr val="595959"/>
-                </a:solidFill>
-                <a:latin typeface="Tahoma"/>
-                <a:cs typeface="Tahoma"/>
-              </a:rPr>
-              <a:t> case, even though the predictors have high </a:t>
-            </a:r>
-            <a:r>
-              <a:rPr lang="en-US" sz="1300" spc="20" dirty="0">
-                <a:solidFill>
-                  <a:srgbClr val="595959"/>
-                </a:solidFill>
-                <a:latin typeface="Tahoma"/>
-                <a:cs typeface="Tahoma"/>
-              </a:rPr>
-              <a:t>M</a:t>
-            </a:r>
-            <a:r>
-              <a:rPr sz="1300" spc="20" dirty="0">
-                <a:solidFill>
-                  <a:srgbClr val="595959"/>
-                </a:solidFill>
-                <a:latin typeface="Tahoma"/>
-                <a:cs typeface="Tahoma"/>
-              </a:rPr>
-              <a:t>ulticollinearity, their coefﬁcients were not shrunk by the Lasso  </a:t>
-            </a:r>
-            <a:r>
-              <a:rPr lang="en-US" sz="1300" spc="20" dirty="0">
-                <a:solidFill>
-                  <a:srgbClr val="595959"/>
-                </a:solidFill>
-                <a:latin typeface="Tahoma"/>
-                <a:cs typeface="Tahoma"/>
-              </a:rPr>
-              <a:t>M</a:t>
-            </a:r>
-            <a:r>
-              <a:rPr sz="1300" spc="20" dirty="0">
-                <a:solidFill>
-                  <a:srgbClr val="595959"/>
-                </a:solidFill>
-                <a:latin typeface="Tahoma"/>
-                <a:cs typeface="Tahoma"/>
-              </a:rPr>
-              <a:t>odel, and it </a:t>
-            </a:r>
-            <a:r>
-              <a:rPr lang="en-US" sz="1300" spc="20" dirty="0">
-                <a:solidFill>
-                  <a:srgbClr val="595959"/>
-                </a:solidFill>
-                <a:latin typeface="Tahoma"/>
-                <a:cs typeface="Tahoma"/>
-              </a:rPr>
-              <a:t>was</a:t>
-            </a:r>
-            <a:r>
-              <a:rPr sz="1300" spc="20" dirty="0">
-                <a:solidFill>
-                  <a:srgbClr val="595959"/>
-                </a:solidFill>
-                <a:latin typeface="Tahoma"/>
-                <a:cs typeface="Tahoma"/>
-              </a:rPr>
-              <a:t> shown that </a:t>
-            </a:r>
-            <a:r>
-              <a:rPr lang="en-US" sz="1300" spc="20" dirty="0">
-                <a:solidFill>
-                  <a:srgbClr val="595959"/>
-                </a:solidFill>
-                <a:latin typeface="Tahoma"/>
-                <a:cs typeface="Tahoma"/>
-              </a:rPr>
-              <a:t>R</a:t>
-            </a:r>
-            <a:r>
-              <a:rPr sz="1300" spc="20" dirty="0">
-                <a:solidFill>
-                  <a:srgbClr val="595959"/>
-                </a:solidFill>
-                <a:latin typeface="Tahoma"/>
-                <a:cs typeface="Tahoma"/>
-              </a:rPr>
-              <a:t>egularization does not </a:t>
-            </a:r>
-            <a:r>
-              <a:rPr lang="en-US" sz="1300" spc="20" dirty="0">
-                <a:solidFill>
-                  <a:srgbClr val="595959"/>
-                </a:solidFill>
-                <a:latin typeface="Tahoma"/>
-                <a:cs typeface="Tahoma"/>
-              </a:rPr>
-              <a:t>drastically improve </a:t>
-            </a:r>
-            <a:r>
-              <a:rPr sz="1300" spc="20" dirty="0">
-                <a:solidFill>
-                  <a:srgbClr val="595959"/>
-                </a:solidFill>
-                <a:latin typeface="Tahoma"/>
-                <a:cs typeface="Tahoma"/>
-              </a:rPr>
-              <a:t>a given model. </a:t>
-            </a:r>
-            <a:r>
-              <a:rPr lang="en-US" sz="1300" spc="20" dirty="0">
-                <a:solidFill>
-                  <a:srgbClr val="595959"/>
-                </a:solidFill>
-                <a:latin typeface="Tahoma"/>
-                <a:cs typeface="Tahoma"/>
-              </a:rPr>
-              <a:t>The </a:t>
-            </a:r>
-            <a:r>
-              <a:rPr lang="en-US" sz="1300" spc="20" dirty="0" smtClean="0">
-                <a:solidFill>
-                  <a:srgbClr val="595959"/>
-                </a:solidFill>
-                <a:latin typeface="Tahoma"/>
-                <a:cs typeface="Tahoma"/>
-              </a:rPr>
-              <a:t>Ridge R</a:t>
-            </a:r>
-            <a:r>
-              <a:rPr sz="1300" spc="20" dirty="0">
-                <a:solidFill>
-                  <a:srgbClr val="595959"/>
-                </a:solidFill>
-                <a:latin typeface="Tahoma"/>
-                <a:cs typeface="Tahoma"/>
-              </a:rPr>
-              <a:t>egression </a:t>
-            </a:r>
-            <a:r>
-              <a:rPr lang="en-US" sz="1300" spc="20" dirty="0">
-                <a:solidFill>
-                  <a:srgbClr val="595959"/>
-                </a:solidFill>
-                <a:latin typeface="Tahoma"/>
-                <a:cs typeface="Tahoma"/>
-              </a:rPr>
-              <a:t>had</a:t>
-            </a:r>
-            <a:r>
-              <a:rPr sz="1300" spc="20" dirty="0">
-                <a:solidFill>
-                  <a:srgbClr val="595959"/>
-                </a:solidFill>
-                <a:latin typeface="Tahoma"/>
-                <a:cs typeface="Tahoma"/>
-              </a:rPr>
-              <a:t> the highest R2 </a:t>
-            </a:r>
-            <a:r>
-              <a:rPr lang="en-US" sz="1300" spc="20" dirty="0">
-                <a:solidFill>
-                  <a:srgbClr val="595959"/>
-                </a:solidFill>
-                <a:latin typeface="Tahoma"/>
-                <a:cs typeface="Tahoma"/>
-              </a:rPr>
-              <a:t>value </a:t>
-            </a:r>
-            <a:r>
-              <a:rPr sz="1300" spc="20" dirty="0">
-                <a:solidFill>
-                  <a:srgbClr val="595959"/>
-                </a:solidFill>
-                <a:latin typeface="Tahoma"/>
-                <a:cs typeface="Tahoma"/>
-              </a:rPr>
-              <a:t>when predicting on the test </a:t>
-            </a:r>
-            <a:r>
-              <a:rPr sz="1300" spc="20" dirty="0" smtClean="0">
-                <a:solidFill>
-                  <a:srgbClr val="595959"/>
-                </a:solidFill>
-                <a:latin typeface="Tahoma"/>
-                <a:cs typeface="Tahoma"/>
-              </a:rPr>
-              <a:t>set</a:t>
-            </a:r>
-            <a:r>
-              <a:rPr lang="en-US" sz="1300" spc="20" dirty="0" smtClean="0">
-                <a:solidFill>
-                  <a:srgbClr val="595959"/>
-                </a:solidFill>
-                <a:latin typeface="Tahoma"/>
-                <a:cs typeface="Tahoma"/>
-              </a:rPr>
-              <a:t>.</a:t>
-            </a:r>
-            <a:endParaRPr sz="1300" spc="20" dirty="0">
-              <a:solidFill>
-                <a:srgbClr val="595959"/>
-              </a:solidFill>
-              <a:latin typeface="Tahoma"/>
-              <a:cs typeface="Tahoma"/>
-            </a:endParaRPr>
-          </a:p>
-          <a:p>
-            <a:pPr marL="12700">
-              <a:lnSpc>
-                <a:spcPct val="100000"/>
-              </a:lnSpc>
-              <a:spcBef>
-                <a:spcPts val="1180"/>
-              </a:spcBef>
-            </a:pPr>
-            <a:endParaRPr lang="en-US" sz="1300" spc="10" dirty="0">
-              <a:solidFill>
-                <a:srgbClr val="595959"/>
-              </a:solidFill>
-              <a:latin typeface="Tahoma"/>
-              <a:cs typeface="Tahoma"/>
-            </a:endParaRPr>
-          </a:p>
-          <a:p>
-            <a:pPr marL="12700">
-              <a:lnSpc>
-                <a:spcPct val="100000"/>
-              </a:lnSpc>
-              <a:spcBef>
-                <a:spcPts val="1180"/>
-              </a:spcBef>
-            </a:pPr>
-            <a:r>
-              <a:rPr sz="1300" spc="10" dirty="0" err="1">
-                <a:solidFill>
-                  <a:srgbClr val="595959"/>
-                </a:solidFill>
-                <a:latin typeface="Tahoma"/>
-                <a:cs typeface="Tahoma"/>
-              </a:rPr>
-              <a:t>Ju</a:t>
-            </a:r>
-            <a:r>
-              <a:rPr sz="1300" spc="-10" dirty="0" err="1">
-                <a:solidFill>
-                  <a:srgbClr val="595959"/>
-                </a:solidFill>
-                <a:latin typeface="Tahoma"/>
-                <a:cs typeface="Tahoma"/>
-              </a:rPr>
-              <a:t>p</a:t>
-            </a:r>
-            <a:r>
-              <a:rPr sz="1300" spc="30" dirty="0" err="1">
-                <a:solidFill>
-                  <a:srgbClr val="595959"/>
-                </a:solidFill>
-                <a:latin typeface="Tahoma"/>
-                <a:cs typeface="Tahoma"/>
-              </a:rPr>
-              <a:t>yter</a:t>
+              <a:t>of</a:t>
+            </a:r>
+            <a:r>
+              <a:rPr sz="1300" spc="-155" dirty="0">
+                <a:solidFill>
+                  <a:srgbClr val="595959"/>
+                </a:solidFill>
+                <a:latin typeface="Tahoma"/>
+                <a:cs typeface="Tahoma"/>
+              </a:rPr>
+              <a:t> </a:t>
+            </a:r>
+            <a:r>
+              <a:rPr sz="1300" spc="15" dirty="0">
+                <a:solidFill>
+                  <a:srgbClr val="595959"/>
+                </a:solidFill>
+                <a:latin typeface="Tahoma"/>
+                <a:cs typeface="Tahoma"/>
+              </a:rPr>
+              <a:t>the</a:t>
+            </a:r>
+            <a:r>
+              <a:rPr sz="1300" spc="-155" dirty="0">
+                <a:solidFill>
+                  <a:srgbClr val="595959"/>
+                </a:solidFill>
+                <a:latin typeface="Tahoma"/>
+                <a:cs typeface="Tahoma"/>
+              </a:rPr>
+              <a:t> </a:t>
+            </a:r>
+            <a:r>
+              <a:rPr sz="1300" spc="-5" dirty="0">
+                <a:solidFill>
+                  <a:srgbClr val="595959"/>
+                </a:solidFill>
+                <a:latin typeface="Tahoma"/>
+                <a:cs typeface="Tahoma"/>
+              </a:rPr>
+              <a:t>Lasso</a:t>
+            </a:r>
+            <a:r>
+              <a:rPr sz="1300" spc="-155" dirty="0">
+                <a:solidFill>
+                  <a:srgbClr val="595959"/>
+                </a:solidFill>
+                <a:latin typeface="Tahoma"/>
+                <a:cs typeface="Tahoma"/>
+              </a:rPr>
+              <a:t> </a:t>
+            </a:r>
+            <a:r>
+              <a:rPr sz="1300" spc="-10" dirty="0">
+                <a:solidFill>
+                  <a:srgbClr val="595959"/>
+                </a:solidFill>
+                <a:latin typeface="Tahoma"/>
+                <a:cs typeface="Tahoma"/>
+              </a:rPr>
+              <a:t>Regression.</a:t>
+            </a:r>
+            <a:r>
+              <a:rPr sz="1300" spc="-165" dirty="0">
+                <a:solidFill>
+                  <a:srgbClr val="595959"/>
+                </a:solidFill>
+                <a:latin typeface="Tahoma"/>
+                <a:cs typeface="Tahoma"/>
+              </a:rPr>
+              <a:t> </a:t>
+            </a:r>
+            <a:r>
+              <a:rPr sz="1300" spc="5" dirty="0">
+                <a:solidFill>
+                  <a:srgbClr val="595959"/>
+                </a:solidFill>
+                <a:latin typeface="Tahoma"/>
+                <a:cs typeface="Tahoma"/>
+              </a:rPr>
+              <a:t>Among </a:t>
+            </a:r>
+            <a:r>
+              <a:rPr sz="1300" spc="-395" dirty="0">
+                <a:solidFill>
+                  <a:srgbClr val="595959"/>
+                </a:solidFill>
+                <a:latin typeface="Tahoma"/>
+                <a:cs typeface="Tahoma"/>
+              </a:rPr>
+              <a:t> </a:t>
+            </a:r>
+            <a:r>
+              <a:rPr lang="en-US" sz="1300" spc="5" dirty="0">
+                <a:solidFill>
+                  <a:srgbClr val="595959"/>
+                </a:solidFill>
+                <a:latin typeface="Tahoma"/>
+                <a:cs typeface="Tahoma"/>
+              </a:rPr>
+              <a:t>the different</a:t>
+            </a:r>
+            <a:r>
+              <a:rPr sz="1300" spc="5" dirty="0">
+                <a:solidFill>
+                  <a:srgbClr val="595959"/>
+                </a:solidFill>
+                <a:latin typeface="Tahoma"/>
+                <a:cs typeface="Tahoma"/>
+              </a:rPr>
+              <a:t> </a:t>
+            </a:r>
+            <a:r>
+              <a:rPr sz="1300" spc="-5" dirty="0">
+                <a:solidFill>
+                  <a:srgbClr val="595959"/>
+                </a:solidFill>
+                <a:latin typeface="Tahoma"/>
+                <a:cs typeface="Tahoma"/>
+              </a:rPr>
+              <a:t>features, </a:t>
+            </a:r>
+            <a:r>
+              <a:rPr lang="en-US" sz="1300" spc="-30" dirty="0">
+                <a:solidFill>
+                  <a:srgbClr val="595959"/>
+                </a:solidFill>
+                <a:latin typeface="Tahoma"/>
+                <a:cs typeface="Tahoma"/>
+              </a:rPr>
+              <a:t>xxx</a:t>
+            </a:r>
+            <a:r>
+              <a:rPr sz="1300" spc="-30" dirty="0">
+                <a:solidFill>
+                  <a:srgbClr val="595959"/>
+                </a:solidFill>
+                <a:latin typeface="Tahoma"/>
+                <a:cs typeface="Tahoma"/>
+              </a:rPr>
+              <a:t> </a:t>
+            </a:r>
+            <a:r>
+              <a:rPr sz="1300" spc="-10" dirty="0">
+                <a:solidFill>
+                  <a:srgbClr val="595959"/>
+                </a:solidFill>
+                <a:latin typeface="Tahoma"/>
+                <a:cs typeface="Tahoma"/>
+              </a:rPr>
+              <a:t>and </a:t>
+            </a:r>
+            <a:r>
+              <a:rPr lang="en-US" sz="1300" spc="-10" dirty="0">
+                <a:solidFill>
+                  <a:srgbClr val="595959"/>
+                </a:solidFill>
+                <a:latin typeface="Tahoma"/>
+                <a:cs typeface="Tahoma"/>
+              </a:rPr>
+              <a:t>xxx</a:t>
+            </a:r>
+            <a:r>
+              <a:rPr sz="1300" spc="-10" dirty="0">
+                <a:solidFill>
+                  <a:srgbClr val="595959"/>
+                </a:solidFill>
+                <a:latin typeface="Tahoma"/>
+                <a:cs typeface="Tahoma"/>
+              </a:rPr>
+              <a:t> </a:t>
+            </a:r>
+            <a:r>
+              <a:rPr sz="1300" spc="-15" dirty="0">
+                <a:solidFill>
+                  <a:srgbClr val="595959"/>
+                </a:solidFill>
+                <a:latin typeface="Tahoma"/>
+                <a:cs typeface="Tahoma"/>
+              </a:rPr>
+              <a:t>have </a:t>
+            </a:r>
+            <a:r>
+              <a:rPr sz="1300" spc="15" dirty="0">
+                <a:solidFill>
+                  <a:srgbClr val="595959"/>
+                </a:solidFill>
+                <a:latin typeface="Tahoma"/>
+                <a:cs typeface="Tahoma"/>
+              </a:rPr>
+              <a:t>the </a:t>
+            </a:r>
+            <a:r>
+              <a:rPr sz="1300" spc="5" dirty="0">
+                <a:solidFill>
+                  <a:srgbClr val="595959"/>
+                </a:solidFill>
+                <a:latin typeface="Tahoma"/>
+                <a:cs typeface="Tahoma"/>
+              </a:rPr>
+              <a:t>strongest </a:t>
+            </a:r>
+            <a:r>
+              <a:rPr sz="1300" spc="15" dirty="0">
+                <a:solidFill>
+                  <a:srgbClr val="595959"/>
+                </a:solidFill>
+                <a:latin typeface="Tahoma"/>
+                <a:cs typeface="Tahoma"/>
+              </a:rPr>
+              <a:t>predictive </a:t>
+            </a:r>
+            <a:r>
+              <a:rPr sz="1300" spc="-20" dirty="0">
+                <a:solidFill>
+                  <a:srgbClr val="595959"/>
+                </a:solidFill>
+                <a:latin typeface="Tahoma"/>
+                <a:cs typeface="Tahoma"/>
+              </a:rPr>
+              <a:t>power. </a:t>
+            </a:r>
+            <a:r>
+              <a:rPr sz="1300" spc="60" dirty="0">
+                <a:solidFill>
+                  <a:srgbClr val="595959"/>
+                </a:solidFill>
+                <a:latin typeface="Tahoma"/>
+                <a:cs typeface="Tahoma"/>
+              </a:rPr>
+              <a:t>Most </a:t>
+            </a:r>
+            <a:r>
+              <a:rPr sz="1300" spc="15" dirty="0">
+                <a:solidFill>
+                  <a:srgbClr val="595959"/>
+                </a:solidFill>
+                <a:latin typeface="Tahoma"/>
+                <a:cs typeface="Tahoma"/>
+              </a:rPr>
+              <a:t>interaction </a:t>
+            </a:r>
+            <a:r>
+              <a:rPr sz="1300" spc="10" dirty="0">
+                <a:solidFill>
+                  <a:srgbClr val="595959"/>
+                </a:solidFill>
+                <a:latin typeface="Tahoma"/>
+                <a:cs typeface="Tahoma"/>
+              </a:rPr>
+              <a:t>terms </a:t>
+            </a:r>
+            <a:r>
+              <a:rPr sz="1300" spc="-10" dirty="0">
+                <a:solidFill>
+                  <a:srgbClr val="595959"/>
+                </a:solidFill>
+                <a:latin typeface="Tahoma"/>
+                <a:cs typeface="Tahoma"/>
+              </a:rPr>
+              <a:t>and </a:t>
+            </a:r>
+            <a:r>
+              <a:rPr sz="1300" spc="-395" dirty="0">
+                <a:solidFill>
+                  <a:srgbClr val="595959"/>
+                </a:solidFill>
+                <a:latin typeface="Tahoma"/>
+                <a:cs typeface="Tahoma"/>
+              </a:rPr>
+              <a:t> </a:t>
+            </a:r>
+            <a:r>
+              <a:rPr sz="1300" spc="10" dirty="0">
+                <a:solidFill>
+                  <a:srgbClr val="595959"/>
+                </a:solidFill>
+                <a:latin typeface="Tahoma"/>
+                <a:cs typeface="Tahoma"/>
+              </a:rPr>
+              <a:t>polynomial</a:t>
             </a:r>
             <a:r>
               <a:rPr sz="1300" spc="-160" dirty="0">
@@ -9526,6 +9375,146 @@
               <a:t> </a:t>
             </a:r>
             <a:r>
+              <a:rPr sz="1300" spc="10" dirty="0">
+                <a:solidFill>
+                  <a:srgbClr val="595959"/>
+                </a:solidFill>
+                <a:latin typeface="Tahoma"/>
+                <a:cs typeface="Tahoma"/>
+              </a:rPr>
+              <a:t>features</a:t>
+            </a:r>
+            <a:r>
+              <a:rPr sz="1300" spc="-160" dirty="0">
+                <a:solidFill>
+                  <a:srgbClr val="595959"/>
+                </a:solidFill>
+                <a:latin typeface="Tahoma"/>
+                <a:cs typeface="Tahoma"/>
+              </a:rPr>
+              <a:t> </a:t>
+            </a:r>
+            <a:r>
+              <a:rPr sz="1300" spc="-15" dirty="0">
+                <a:solidFill>
+                  <a:srgbClr val="595959"/>
+                </a:solidFill>
+                <a:latin typeface="Tahoma"/>
+                <a:cs typeface="Tahoma"/>
+              </a:rPr>
+              <a:t>h</a:t>
+            </a:r>
+            <a:r>
+              <a:rPr sz="1300" spc="-35" dirty="0">
+                <a:solidFill>
+                  <a:srgbClr val="595959"/>
+                </a:solidFill>
+                <a:latin typeface="Tahoma"/>
+                <a:cs typeface="Tahoma"/>
+              </a:rPr>
+              <a:t>a</a:t>
+            </a:r>
+            <a:r>
+              <a:rPr sz="1300" spc="-5" dirty="0">
+                <a:solidFill>
+                  <a:srgbClr val="595959"/>
+                </a:solidFill>
+                <a:latin typeface="Tahoma"/>
+                <a:cs typeface="Tahoma"/>
+              </a:rPr>
+              <a:t>ve</a:t>
+            </a:r>
+            <a:r>
+              <a:rPr sz="1300" spc="-160" dirty="0">
+                <a:solidFill>
+                  <a:srgbClr val="595959"/>
+                </a:solidFill>
+                <a:latin typeface="Tahoma"/>
+                <a:cs typeface="Tahoma"/>
+              </a:rPr>
+              <a:t> </a:t>
+            </a:r>
+            <a:r>
+              <a:rPr sz="1300" spc="25" dirty="0">
+                <a:solidFill>
+                  <a:srgbClr val="595959"/>
+                </a:solidFill>
+                <a:latin typeface="Tahoma"/>
+                <a:cs typeface="Tahoma"/>
+              </a:rPr>
+              <a:t>low</a:t>
+            </a:r>
+            <a:r>
+              <a:rPr sz="1300" spc="-160" dirty="0">
+                <a:solidFill>
+                  <a:srgbClr val="595959"/>
+                </a:solidFill>
+                <a:latin typeface="Tahoma"/>
+                <a:cs typeface="Tahoma"/>
+              </a:rPr>
+              <a:t> </a:t>
+            </a:r>
+            <a:r>
+              <a:rPr sz="1300" spc="5" dirty="0">
+                <a:solidFill>
+                  <a:srgbClr val="595959"/>
+                </a:solidFill>
+                <a:latin typeface="Tahoma"/>
+                <a:cs typeface="Tahoma"/>
+              </a:rPr>
+              <a:t>estimates</a:t>
+            </a:r>
+            <a:r>
+              <a:rPr sz="1300" spc="-160" dirty="0">
+                <a:solidFill>
+                  <a:srgbClr val="595959"/>
+                </a:solidFill>
+                <a:latin typeface="Tahoma"/>
+                <a:cs typeface="Tahoma"/>
+              </a:rPr>
+              <a:t> </a:t>
+            </a:r>
+            <a:r>
+              <a:rPr sz="1300" spc="15" dirty="0">
+                <a:solidFill>
+                  <a:srgbClr val="595959"/>
+                </a:solidFill>
+                <a:latin typeface="Tahoma"/>
+                <a:cs typeface="Tahoma"/>
+              </a:rPr>
+              <a:t>in</a:t>
+            </a:r>
+            <a:r>
+              <a:rPr sz="1300" spc="-160" dirty="0">
+                <a:solidFill>
+                  <a:srgbClr val="595959"/>
+                </a:solidFill>
+                <a:latin typeface="Tahoma"/>
+                <a:cs typeface="Tahoma"/>
+              </a:rPr>
+              <a:t> </a:t>
+            </a:r>
+            <a:r>
+              <a:rPr sz="1300" spc="5" dirty="0">
+                <a:solidFill>
+                  <a:srgbClr val="595959"/>
+                </a:solidFill>
+                <a:latin typeface="Tahoma"/>
+                <a:cs typeface="Tahoma"/>
+              </a:rPr>
+              <a:t>comparison</a:t>
+            </a:r>
+            <a:r>
+              <a:rPr sz="1300" spc="-160" dirty="0">
+                <a:solidFill>
+                  <a:srgbClr val="595959"/>
+                </a:solidFill>
+                <a:latin typeface="Tahoma"/>
+                <a:cs typeface="Tahoma"/>
+              </a:rPr>
+              <a:t> </a:t>
+            </a:r>
+            <a:r>
               <a:rPr sz="1300" spc="30" dirty="0">
                 <a:solidFill>
                   <a:srgbClr val="595959"/>
@@ -9533,7 +9522,7 @@
                 <a:latin typeface="Tahoma"/>
                 <a:cs typeface="Tahoma"/>
               </a:rPr>
-              <a:t>Notebook</a:t>
+              <a:t>to</a:t>
             </a:r>
             <a:r>
               <a:rPr sz="1300" spc="-160" dirty="0">
@@ -9546,84 +9535,14 @@
               <a:t> </a:t>
             </a:r>
             <a:r>
-              <a:rPr sz="1300" spc="-10" dirty="0">
-                <a:solidFill>
-                  <a:srgbClr val="595959"/>
-                </a:solidFill>
-                <a:latin typeface="Tahoma"/>
-                <a:cs typeface="Tahoma"/>
-              </a:rPr>
-              <a:t>can</a:t>
-            </a:r>
-            <a:r>
-              <a:rPr sz="1300" spc="-160" dirty="0">
-                <a:solidFill>
-                  <a:srgbClr val="595959"/>
-                </a:solidFill>
-                <a:latin typeface="Tahoma"/>
-                <a:cs typeface="Tahoma"/>
-              </a:rPr>
-              <a:t> </a:t>
-            </a:r>
-            <a:r>
-              <a:rPr sz="1300" dirty="0">
-                <a:solidFill>
-                  <a:srgbClr val="595959"/>
-                </a:solidFill>
-                <a:latin typeface="Tahoma"/>
-                <a:cs typeface="Tahoma"/>
-              </a:rPr>
-              <a:t>be</a:t>
-            </a:r>
-            <a:r>
-              <a:rPr sz="1300" spc="-160" dirty="0">
-                <a:solidFill>
-                  <a:srgbClr val="595959"/>
-                </a:solidFill>
-                <a:latin typeface="Tahoma"/>
-                <a:cs typeface="Tahoma"/>
-              </a:rPr>
-              <a:t> </a:t>
-            </a:r>
-            <a:r>
-              <a:rPr sz="1300" spc="5" dirty="0">
-                <a:solidFill>
-                  <a:srgbClr val="595959"/>
-                </a:solidFill>
-                <a:latin typeface="Tahoma"/>
-                <a:cs typeface="Tahoma"/>
-              </a:rPr>
-              <a:t>found</a:t>
-            </a:r>
-            <a:r>
-              <a:rPr sz="1300" spc="-160" dirty="0">
-                <a:solidFill>
-                  <a:srgbClr val="595959"/>
-                </a:solidFill>
-                <a:latin typeface="Tahoma"/>
-                <a:cs typeface="Tahoma"/>
-              </a:rPr>
-              <a:t> </a:t>
-            </a:r>
-            <a:r>
-              <a:rPr sz="1300" spc="-20" dirty="0">
-                <a:solidFill>
-                  <a:srgbClr val="595959"/>
-                </a:solidFill>
-                <a:latin typeface="Tahoma"/>
-                <a:cs typeface="Tahoma"/>
-              </a:rPr>
-              <a:t>here</a:t>
-            </a:r>
-            <a:r>
-              <a:rPr sz="1300" spc="-20" dirty="0" smtClean="0">
-                <a:solidFill>
-                  <a:srgbClr val="595959"/>
-                </a:solidFill>
-                <a:latin typeface="Tahoma"/>
-                <a:cs typeface="Tahoma"/>
-              </a:rPr>
-              <a:t>:</a:t>
+              <a:rPr sz="1300" spc="-5" dirty="0">
+                <a:solidFill>
+                  <a:srgbClr val="595959"/>
+                </a:solidFill>
+                <a:latin typeface="Tahoma"/>
+                <a:cs typeface="Tahoma"/>
+              </a:rPr>
+              <a:t>others.</a:t>
             </a:r>
             <a:endParaRPr sz="1300" dirty="0">
               <a:latin typeface="Tahoma"/>
@@ -10242,6 +10161,929 @@
 </p:sld>
 </file>
 
+<file path=ppt/slides/slide20.xml><?xml version="1.0" encoding="utf-8"?>
+<p:sld xmlns:a="http://schemas.openxmlformats.org/drawingml/2006/main" xmlns:r="http://schemas.openxmlformats.org/officeDocument/2006/relationships" xmlns:p="http://schemas.openxmlformats.org/presentationml/2006/main">
+  <p:cSld>
+    <p:spTree>
+      <p:nvGrpSpPr>
+        <p:cNvPr id="1" name=""/>
+        <p:cNvGrpSpPr/>
+        <p:nvPr/>
+      </p:nvGrpSpPr>
+      <p:grpSpPr>
+        <a:xfrm>
+          <a:off x="0" y="0"/>
+          <a:ext cx="0" cy="0"/>
+          <a:chOff x="0" y="0"/>
+          <a:chExt cx="0" cy="0"/>
+        </a:xfrm>
+      </p:grpSpPr>
+      <p:pic>
+        <p:nvPicPr>
+          <p:cNvPr id="2" name="object 2"/>
+          <p:cNvPicPr/>
+          <p:nvPr/>
+        </p:nvPicPr>
+        <p:blipFill>
+          <a:blip r:embed="rId2" cstate="print"/>
+          <a:stretch>
+            <a:fillRect/>
+          </a:stretch>
+        </p:blipFill>
+        <p:spPr>
+          <a:xfrm>
+            <a:off x="354399" y="552625"/>
+            <a:ext cx="8435201" cy="4450949"/>
+          </a:xfrm>
+          <a:prstGeom prst="rect">
+            <a:avLst/>
+          </a:prstGeom>
+        </p:spPr>
+      </p:pic>
+    </p:spTree>
+  </p:cSld>
+  <p:clrMapOvr>
+    <a:masterClrMapping/>
+  </p:clrMapOvr>
+</p:sld>
+</file>
+
+<file path=ppt/slides/slide21.xml><?xml version="1.0" encoding="utf-8"?>
+<p:sld xmlns:a="http://schemas.openxmlformats.org/drawingml/2006/main" xmlns:r="http://schemas.openxmlformats.org/officeDocument/2006/relationships" xmlns:p="http://schemas.openxmlformats.org/presentationml/2006/main">
+  <p:cSld>
+    <p:spTree>
+      <p:nvGrpSpPr>
+        <p:cNvPr id="1" name=""/>
+        <p:cNvGrpSpPr/>
+        <p:nvPr/>
+      </p:nvGrpSpPr>
+      <p:grpSpPr>
+        <a:xfrm>
+          <a:off x="0" y="0"/>
+          <a:ext cx="0" cy="0"/>
+          <a:chOff x="0" y="0"/>
+          <a:chExt cx="0" cy="0"/>
+        </a:xfrm>
+      </p:grpSpPr>
+      <p:sp>
+        <p:nvSpPr>
+          <p:cNvPr id="2" name="object 2"/>
+          <p:cNvSpPr txBox="1">
+            <a:spLocks noGrp="1"/>
+          </p:cNvSpPr>
+          <p:nvPr>
+            <p:ph type="title"/>
+          </p:nvPr>
+        </p:nvSpPr>
+        <p:spPr>
+          <a:xfrm>
+            <a:off x="802475" y="1379787"/>
+            <a:ext cx="1616710" cy="382270"/>
+          </a:xfrm>
+          <a:prstGeom prst="rect">
+            <a:avLst/>
+          </a:prstGeom>
+        </p:spPr>
+        <p:txBody>
+          <a:bodyPr vert="horz" wrap="square" lIns="0" tIns="17780" rIns="0" bIns="0" rtlCol="0">
+            <a:spAutoFit/>
+          </a:bodyPr>
+          <a:lstStyle/>
+          <a:p>
+            <a:pPr marL="12700">
+              <a:lnSpc>
+                <a:spcPct val="100000"/>
+              </a:lnSpc>
+              <a:spcBef>
+                <a:spcPts val="140"/>
+              </a:spcBef>
+            </a:pPr>
+            <a:r>
+              <a:rPr sz="2300" spc="190" dirty="0"/>
+              <a:t>C</a:t>
+            </a:r>
+            <a:r>
+              <a:rPr sz="2300" spc="75" dirty="0"/>
+              <a:t>onclusion</a:t>
+            </a:r>
+            <a:endParaRPr sz="2300"/>
+          </a:p>
+        </p:txBody>
+      </p:sp>
+      <p:sp>
+        <p:nvSpPr>
+          <p:cNvPr id="3" name="object 3"/>
+          <p:cNvSpPr txBox="1"/>
+          <p:nvPr/>
+        </p:nvSpPr>
+        <p:spPr>
+          <a:xfrm>
+            <a:off x="802475" y="1960371"/>
+            <a:ext cx="7986395" cy="2582695"/>
+          </a:xfrm>
+          <a:prstGeom prst="rect">
+            <a:avLst/>
+          </a:prstGeom>
+        </p:spPr>
+        <p:txBody>
+          <a:bodyPr vert="horz" wrap="square" lIns="0" tIns="2540" rIns="0" bIns="0" rtlCol="0">
+            <a:spAutoFit/>
+          </a:bodyPr>
+          <a:lstStyle/>
+          <a:p>
+            <a:pPr marL="12700" marR="5080">
+              <a:lnSpc>
+                <a:spcPct val="105000"/>
+              </a:lnSpc>
+              <a:spcBef>
+                <a:spcPts val="20"/>
+              </a:spcBef>
+            </a:pPr>
+            <a:r>
+              <a:rPr lang="en-US" sz="1300" spc="20" dirty="0">
+                <a:solidFill>
+                  <a:srgbClr val="595959"/>
+                </a:solidFill>
+                <a:latin typeface="Tahoma"/>
+                <a:cs typeface="Tahoma"/>
+              </a:rPr>
+              <a:t>The</a:t>
+            </a:r>
+            <a:r>
+              <a:rPr sz="1300" spc="20" dirty="0">
+                <a:solidFill>
+                  <a:srgbClr val="595959"/>
+                </a:solidFill>
+                <a:latin typeface="Tahoma"/>
+                <a:cs typeface="Tahoma"/>
+              </a:rPr>
+              <a:t> analysis shows that </a:t>
+            </a:r>
+            <a:r>
+              <a:rPr lang="en-US" sz="1300" spc="20" dirty="0">
+                <a:solidFill>
+                  <a:srgbClr val="595959"/>
+                </a:solidFill>
+                <a:latin typeface="Tahoma"/>
+                <a:cs typeface="Tahoma"/>
+              </a:rPr>
+              <a:t>F</a:t>
+            </a:r>
+            <a:r>
+              <a:rPr sz="1300" spc="20" dirty="0">
+                <a:solidFill>
+                  <a:srgbClr val="595959"/>
+                </a:solidFill>
+                <a:latin typeface="Tahoma"/>
+                <a:cs typeface="Tahoma"/>
+              </a:rPr>
+              <a:t>eature </a:t>
+            </a:r>
+            <a:r>
+              <a:rPr lang="en-US" sz="1300" spc="20" dirty="0">
+                <a:solidFill>
+                  <a:srgbClr val="595959"/>
+                </a:solidFill>
+                <a:latin typeface="Tahoma"/>
+                <a:cs typeface="Tahoma"/>
+              </a:rPr>
+              <a:t>E</a:t>
+            </a:r>
+            <a:r>
+              <a:rPr sz="1300" spc="20" dirty="0">
+                <a:solidFill>
+                  <a:srgbClr val="595959"/>
+                </a:solidFill>
+                <a:latin typeface="Tahoma"/>
+                <a:cs typeface="Tahoma"/>
+              </a:rPr>
+              <a:t>ngineering ha</a:t>
+            </a:r>
+            <a:r>
+              <a:rPr lang="en-US" sz="1300" spc="20" dirty="0">
+                <a:solidFill>
+                  <a:srgbClr val="595959"/>
+                </a:solidFill>
+                <a:latin typeface="Tahoma"/>
+                <a:cs typeface="Tahoma"/>
+              </a:rPr>
+              <a:t>s</a:t>
+            </a:r>
+            <a:r>
+              <a:rPr sz="1300" spc="20" dirty="0">
+                <a:solidFill>
+                  <a:srgbClr val="595959"/>
+                </a:solidFill>
+                <a:latin typeface="Tahoma"/>
+                <a:cs typeface="Tahoma"/>
+              </a:rPr>
+              <a:t> a large effect on the model performance, and if the data</a:t>
+            </a:r>
+            <a:r>
+              <a:rPr lang="en-US" sz="1300" spc="20" dirty="0">
+                <a:solidFill>
+                  <a:srgbClr val="595959"/>
+                </a:solidFill>
+                <a:latin typeface="Tahoma"/>
+                <a:cs typeface="Tahoma"/>
+              </a:rPr>
+              <a:t> is </a:t>
+            </a:r>
+            <a:r>
+              <a:rPr sz="1300" spc="20" dirty="0">
+                <a:solidFill>
+                  <a:srgbClr val="595959"/>
+                </a:solidFill>
+                <a:latin typeface="Tahoma"/>
+                <a:cs typeface="Tahoma"/>
+              </a:rPr>
+              <a:t>sufﬁciently large, </a:t>
+            </a:r>
+            <a:r>
+              <a:rPr lang="en-US" sz="1300" spc="20" dirty="0">
+                <a:solidFill>
+                  <a:srgbClr val="595959"/>
+                </a:solidFill>
+                <a:latin typeface="Tahoma"/>
+                <a:cs typeface="Tahoma"/>
+              </a:rPr>
+              <a:t>C</a:t>
+            </a:r>
+            <a:r>
+              <a:rPr sz="1300" spc="20" dirty="0">
+                <a:solidFill>
+                  <a:srgbClr val="595959"/>
+                </a:solidFill>
+                <a:latin typeface="Tahoma"/>
+                <a:cs typeface="Tahoma"/>
+              </a:rPr>
+              <a:t>ross-</a:t>
+            </a:r>
+            <a:r>
+              <a:rPr lang="en-US" sz="1300" spc="20" dirty="0">
+                <a:solidFill>
+                  <a:srgbClr val="595959"/>
+                </a:solidFill>
+                <a:latin typeface="Tahoma"/>
+                <a:cs typeface="Tahoma"/>
+              </a:rPr>
+              <a:t>V</a:t>
+            </a:r>
+            <a:r>
+              <a:rPr sz="1300" spc="20" dirty="0">
+                <a:solidFill>
+                  <a:srgbClr val="595959"/>
+                </a:solidFill>
+                <a:latin typeface="Tahoma"/>
+                <a:cs typeface="Tahoma"/>
+              </a:rPr>
+              <a:t>alidation should be preferred over </a:t>
+            </a:r>
+            <a:r>
+              <a:rPr lang="en-US" sz="1300" spc="20" dirty="0">
+                <a:solidFill>
+                  <a:srgbClr val="595959"/>
+                </a:solidFill>
+                <a:latin typeface="Tahoma"/>
+                <a:cs typeface="Tahoma"/>
+              </a:rPr>
+              <a:t>T</a:t>
+            </a:r>
+            <a:r>
+              <a:rPr sz="1300" spc="20" dirty="0">
+                <a:solidFill>
+                  <a:srgbClr val="595959"/>
+                </a:solidFill>
+                <a:latin typeface="Tahoma"/>
+                <a:cs typeface="Tahoma"/>
+              </a:rPr>
+              <a:t>rain-</a:t>
+            </a:r>
+            <a:r>
+              <a:rPr lang="en-US" sz="1300" spc="20" dirty="0">
+                <a:solidFill>
+                  <a:srgbClr val="595959"/>
+                </a:solidFill>
+                <a:latin typeface="Tahoma"/>
+                <a:cs typeface="Tahoma"/>
+              </a:rPr>
+              <a:t>T</a:t>
+            </a:r>
+            <a:r>
+              <a:rPr sz="1300" spc="20" dirty="0">
+                <a:solidFill>
+                  <a:srgbClr val="595959"/>
+                </a:solidFill>
+                <a:latin typeface="Tahoma"/>
+                <a:cs typeface="Tahoma"/>
+              </a:rPr>
+              <a:t>est-</a:t>
+            </a:r>
+            <a:r>
+              <a:rPr lang="en-US" sz="1300" spc="20" dirty="0">
+                <a:solidFill>
+                  <a:srgbClr val="595959"/>
+                </a:solidFill>
+                <a:latin typeface="Tahoma"/>
+                <a:cs typeface="Tahoma"/>
+              </a:rPr>
+              <a:t>S</a:t>
+            </a:r>
+            <a:r>
+              <a:rPr sz="1300" spc="20" dirty="0">
+                <a:solidFill>
+                  <a:srgbClr val="595959"/>
+                </a:solidFill>
+                <a:latin typeface="Tahoma"/>
+                <a:cs typeface="Tahoma"/>
+              </a:rPr>
+              <a:t>plit to </a:t>
+            </a:r>
+            <a:r>
+              <a:rPr lang="en-US" sz="1300" spc="20" dirty="0">
+                <a:solidFill>
+                  <a:srgbClr val="595959"/>
+                </a:solidFill>
+                <a:latin typeface="Tahoma"/>
+                <a:cs typeface="Tahoma"/>
+              </a:rPr>
+              <a:t>perform the</a:t>
+            </a:r>
+            <a:r>
+              <a:rPr sz="1300" spc="20" dirty="0">
+                <a:solidFill>
+                  <a:srgbClr val="595959"/>
+                </a:solidFill>
+                <a:latin typeface="Tahoma"/>
+                <a:cs typeface="Tahoma"/>
+              </a:rPr>
+              <a:t> model evaluation. In  </a:t>
+            </a:r>
+            <a:r>
+              <a:rPr lang="en-US" sz="1300" spc="20" dirty="0">
+                <a:solidFill>
+                  <a:srgbClr val="595959"/>
+                </a:solidFill>
+                <a:latin typeface="Tahoma"/>
+                <a:cs typeface="Tahoma"/>
+              </a:rPr>
+              <a:t>this</a:t>
+            </a:r>
+            <a:r>
+              <a:rPr sz="1300" spc="20" dirty="0">
+                <a:solidFill>
+                  <a:srgbClr val="595959"/>
+                </a:solidFill>
+                <a:latin typeface="Tahoma"/>
+                <a:cs typeface="Tahoma"/>
+              </a:rPr>
+              <a:t> case, even though the predictors have high </a:t>
+            </a:r>
+            <a:r>
+              <a:rPr lang="en-US" sz="1300" spc="20" dirty="0">
+                <a:solidFill>
+                  <a:srgbClr val="595959"/>
+                </a:solidFill>
+                <a:latin typeface="Tahoma"/>
+                <a:cs typeface="Tahoma"/>
+              </a:rPr>
+              <a:t>M</a:t>
+            </a:r>
+            <a:r>
+              <a:rPr sz="1300" spc="20" dirty="0">
+                <a:solidFill>
+                  <a:srgbClr val="595959"/>
+                </a:solidFill>
+                <a:latin typeface="Tahoma"/>
+                <a:cs typeface="Tahoma"/>
+              </a:rPr>
+              <a:t>ulticollinearity, their coefﬁcients were not shrunk by the Lasso  </a:t>
+            </a:r>
+            <a:r>
+              <a:rPr lang="en-US" sz="1300" spc="20" dirty="0">
+                <a:solidFill>
+                  <a:srgbClr val="595959"/>
+                </a:solidFill>
+                <a:latin typeface="Tahoma"/>
+                <a:cs typeface="Tahoma"/>
+              </a:rPr>
+              <a:t>M</a:t>
+            </a:r>
+            <a:r>
+              <a:rPr sz="1300" spc="20" dirty="0">
+                <a:solidFill>
+                  <a:srgbClr val="595959"/>
+                </a:solidFill>
+                <a:latin typeface="Tahoma"/>
+                <a:cs typeface="Tahoma"/>
+              </a:rPr>
+              <a:t>odel, and it </a:t>
+            </a:r>
+            <a:r>
+              <a:rPr lang="en-US" sz="1300" spc="20" dirty="0">
+                <a:solidFill>
+                  <a:srgbClr val="595959"/>
+                </a:solidFill>
+                <a:latin typeface="Tahoma"/>
+                <a:cs typeface="Tahoma"/>
+              </a:rPr>
+              <a:t>was</a:t>
+            </a:r>
+            <a:r>
+              <a:rPr sz="1300" spc="20" dirty="0">
+                <a:solidFill>
+                  <a:srgbClr val="595959"/>
+                </a:solidFill>
+                <a:latin typeface="Tahoma"/>
+                <a:cs typeface="Tahoma"/>
+              </a:rPr>
+              <a:t> shown that </a:t>
+            </a:r>
+            <a:r>
+              <a:rPr lang="en-US" sz="1300" spc="20" dirty="0">
+                <a:solidFill>
+                  <a:srgbClr val="595959"/>
+                </a:solidFill>
+                <a:latin typeface="Tahoma"/>
+                <a:cs typeface="Tahoma"/>
+              </a:rPr>
+              <a:t>R</a:t>
+            </a:r>
+            <a:r>
+              <a:rPr sz="1300" spc="20" dirty="0">
+                <a:solidFill>
+                  <a:srgbClr val="595959"/>
+                </a:solidFill>
+                <a:latin typeface="Tahoma"/>
+                <a:cs typeface="Tahoma"/>
+              </a:rPr>
+              <a:t>egularization does not </a:t>
+            </a:r>
+            <a:r>
+              <a:rPr lang="en-US" sz="1300" spc="20" dirty="0">
+                <a:solidFill>
+                  <a:srgbClr val="595959"/>
+                </a:solidFill>
+                <a:latin typeface="Tahoma"/>
+                <a:cs typeface="Tahoma"/>
+              </a:rPr>
+              <a:t>drastically improve </a:t>
+            </a:r>
+            <a:r>
+              <a:rPr sz="1300" spc="20" dirty="0">
+                <a:solidFill>
+                  <a:srgbClr val="595959"/>
+                </a:solidFill>
+                <a:latin typeface="Tahoma"/>
+                <a:cs typeface="Tahoma"/>
+              </a:rPr>
+              <a:t>a given model. </a:t>
+            </a:r>
+            <a:r>
+              <a:rPr lang="en-US" sz="1300" spc="20" dirty="0">
+                <a:solidFill>
+                  <a:srgbClr val="595959"/>
+                </a:solidFill>
+                <a:latin typeface="Tahoma"/>
+                <a:cs typeface="Tahoma"/>
+              </a:rPr>
+              <a:t>The </a:t>
+            </a:r>
+            <a:r>
+              <a:rPr sz="1300" spc="20" dirty="0">
+                <a:solidFill>
+                  <a:srgbClr val="595959"/>
+                </a:solidFill>
+                <a:latin typeface="Tahoma"/>
+                <a:cs typeface="Tahoma"/>
+              </a:rPr>
+              <a:t>Lasso </a:t>
+            </a:r>
+            <a:r>
+              <a:rPr lang="en-US" sz="1300" spc="20" dirty="0">
+                <a:solidFill>
+                  <a:srgbClr val="595959"/>
+                </a:solidFill>
+                <a:latin typeface="Tahoma"/>
+                <a:cs typeface="Tahoma"/>
+              </a:rPr>
+              <a:t>R</a:t>
+            </a:r>
+            <a:r>
+              <a:rPr sz="1300" spc="20" dirty="0">
+                <a:solidFill>
+                  <a:srgbClr val="595959"/>
+                </a:solidFill>
+                <a:latin typeface="Tahoma"/>
+                <a:cs typeface="Tahoma"/>
+              </a:rPr>
+              <a:t>egression </a:t>
+            </a:r>
+            <a:r>
+              <a:rPr lang="en-US" sz="1300" spc="20" dirty="0">
+                <a:solidFill>
+                  <a:srgbClr val="595959"/>
+                </a:solidFill>
+                <a:latin typeface="Tahoma"/>
+                <a:cs typeface="Tahoma"/>
+              </a:rPr>
+              <a:t>had</a:t>
+            </a:r>
+            <a:r>
+              <a:rPr sz="1300" spc="20" dirty="0">
+                <a:solidFill>
+                  <a:srgbClr val="595959"/>
+                </a:solidFill>
+                <a:latin typeface="Tahoma"/>
+                <a:cs typeface="Tahoma"/>
+              </a:rPr>
+              <a:t> the highest R2 </a:t>
+            </a:r>
+            <a:r>
+              <a:rPr lang="en-US" sz="1300" spc="20" dirty="0">
+                <a:solidFill>
+                  <a:srgbClr val="595959"/>
+                </a:solidFill>
+                <a:latin typeface="Tahoma"/>
+                <a:cs typeface="Tahoma"/>
+              </a:rPr>
+              <a:t>value </a:t>
+            </a:r>
+            <a:r>
+              <a:rPr sz="1300" spc="20" dirty="0">
+                <a:solidFill>
+                  <a:srgbClr val="595959"/>
+                </a:solidFill>
+                <a:latin typeface="Tahoma"/>
+                <a:cs typeface="Tahoma"/>
+              </a:rPr>
+              <a:t>when predicting on the test set, and </a:t>
+            </a:r>
+            <a:r>
+              <a:rPr lang="en-US" sz="1300" spc="20" dirty="0">
+                <a:solidFill>
+                  <a:srgbClr val="595959"/>
+                </a:solidFill>
+                <a:latin typeface="Tahoma"/>
+                <a:cs typeface="Tahoma"/>
+              </a:rPr>
+              <a:t>xxx</a:t>
+            </a:r>
+            <a:r>
+              <a:rPr sz="1300" spc="20" dirty="0">
+                <a:solidFill>
+                  <a:srgbClr val="595959"/>
+                </a:solidFill>
+                <a:latin typeface="Tahoma"/>
+                <a:cs typeface="Tahoma"/>
+              </a:rPr>
+              <a:t> appear to</a:t>
+            </a:r>
+            <a:r>
+              <a:rPr lang="en-US" sz="1300" spc="20" dirty="0">
+                <a:solidFill>
+                  <a:srgbClr val="595959"/>
+                </a:solidFill>
+                <a:latin typeface="Tahoma"/>
+                <a:cs typeface="Tahoma"/>
+              </a:rPr>
+              <a:t> </a:t>
+            </a:r>
+            <a:r>
+              <a:rPr sz="1300" spc="20" dirty="0">
+                <a:solidFill>
+                  <a:srgbClr val="595959"/>
+                </a:solidFill>
+                <a:latin typeface="Tahoma"/>
+                <a:cs typeface="Tahoma"/>
+              </a:rPr>
+              <a:t>be the most important features to predict </a:t>
+            </a:r>
+            <a:r>
+              <a:rPr lang="en-US" sz="1300" spc="20" dirty="0">
+                <a:solidFill>
+                  <a:srgbClr val="595959"/>
+                </a:solidFill>
+                <a:latin typeface="Tahoma"/>
+                <a:cs typeface="Tahoma"/>
+              </a:rPr>
+              <a:t>the motor temperature</a:t>
+            </a:r>
+            <a:r>
+              <a:rPr sz="1300" spc="20" dirty="0">
+                <a:solidFill>
+                  <a:srgbClr val="595959"/>
+                </a:solidFill>
+                <a:latin typeface="Tahoma"/>
+                <a:cs typeface="Tahoma"/>
+              </a:rPr>
+              <a:t>. Also, </a:t>
+            </a:r>
+            <a:r>
+              <a:rPr lang="en-US" sz="1300" spc="20" dirty="0">
+                <a:solidFill>
+                  <a:srgbClr val="595959"/>
+                </a:solidFill>
+                <a:latin typeface="Tahoma"/>
+                <a:cs typeface="Tahoma"/>
+              </a:rPr>
+              <a:t>the </a:t>
+            </a:r>
+            <a:r>
+              <a:rPr sz="1300" spc="20" dirty="0">
+                <a:solidFill>
+                  <a:srgbClr val="595959"/>
+                </a:solidFill>
+                <a:latin typeface="Tahoma"/>
+                <a:cs typeface="Tahoma"/>
+              </a:rPr>
+              <a:t>Lasso </a:t>
+            </a:r>
+            <a:r>
+              <a:rPr lang="en-US" sz="1300" spc="20" dirty="0">
+                <a:solidFill>
+                  <a:srgbClr val="595959"/>
+                </a:solidFill>
+                <a:latin typeface="Tahoma"/>
+                <a:cs typeface="Tahoma"/>
+              </a:rPr>
+              <a:t>model </a:t>
+            </a:r>
+            <a:r>
+              <a:rPr sz="1300" spc="20" dirty="0">
+                <a:solidFill>
+                  <a:srgbClr val="595959"/>
+                </a:solidFill>
+                <a:latin typeface="Tahoma"/>
+                <a:cs typeface="Tahoma"/>
+              </a:rPr>
+              <a:t>shr</a:t>
+            </a:r>
+            <a:r>
+              <a:rPr lang="en-US" sz="1300" spc="20" dirty="0">
+                <a:solidFill>
+                  <a:srgbClr val="595959"/>
+                </a:solidFill>
+                <a:latin typeface="Tahoma"/>
+                <a:cs typeface="Tahoma"/>
+              </a:rPr>
+              <a:t>u</a:t>
+            </a:r>
+            <a:r>
+              <a:rPr sz="1300" spc="20" dirty="0">
+                <a:solidFill>
+                  <a:srgbClr val="595959"/>
+                </a:solidFill>
+                <a:latin typeface="Tahoma"/>
+                <a:cs typeface="Tahoma"/>
+              </a:rPr>
+              <a:t>nk some of the features that </a:t>
+            </a:r>
+            <a:r>
+              <a:rPr lang="en-US" sz="1300" spc="20" dirty="0">
+                <a:solidFill>
+                  <a:srgbClr val="595959"/>
+                </a:solidFill>
+                <a:latin typeface="Tahoma"/>
+                <a:cs typeface="Tahoma"/>
+              </a:rPr>
+              <a:t>do not contribute significantly to the</a:t>
+            </a:r>
+            <a:r>
+              <a:rPr sz="1300" spc="20" dirty="0">
+                <a:solidFill>
+                  <a:srgbClr val="595959"/>
+                </a:solidFill>
+                <a:latin typeface="Tahoma"/>
+                <a:cs typeface="Tahoma"/>
+              </a:rPr>
+              <a:t> prediction.</a:t>
+            </a:r>
+          </a:p>
+          <a:p>
+            <a:pPr marL="12700">
+              <a:lnSpc>
+                <a:spcPct val="100000"/>
+              </a:lnSpc>
+              <a:spcBef>
+                <a:spcPts val="1180"/>
+              </a:spcBef>
+            </a:pPr>
+            <a:endParaRPr lang="en-US" sz="1300" spc="10" dirty="0">
+              <a:solidFill>
+                <a:srgbClr val="595959"/>
+              </a:solidFill>
+              <a:latin typeface="Tahoma"/>
+              <a:cs typeface="Tahoma"/>
+            </a:endParaRPr>
+          </a:p>
+          <a:p>
+            <a:pPr marL="12700">
+              <a:lnSpc>
+                <a:spcPct val="100000"/>
+              </a:lnSpc>
+              <a:spcBef>
+                <a:spcPts val="1180"/>
+              </a:spcBef>
+            </a:pPr>
+            <a:r>
+              <a:rPr sz="1300" spc="10" dirty="0" err="1">
+                <a:solidFill>
+                  <a:srgbClr val="595959"/>
+                </a:solidFill>
+                <a:latin typeface="Tahoma"/>
+                <a:cs typeface="Tahoma"/>
+              </a:rPr>
+              <a:t>Ju</a:t>
+            </a:r>
+            <a:r>
+              <a:rPr sz="1300" spc="-10" dirty="0" err="1">
+                <a:solidFill>
+                  <a:srgbClr val="595959"/>
+                </a:solidFill>
+                <a:latin typeface="Tahoma"/>
+                <a:cs typeface="Tahoma"/>
+              </a:rPr>
+              <a:t>p</a:t>
+            </a:r>
+            <a:r>
+              <a:rPr sz="1300" spc="30" dirty="0" err="1">
+                <a:solidFill>
+                  <a:srgbClr val="595959"/>
+                </a:solidFill>
+                <a:latin typeface="Tahoma"/>
+                <a:cs typeface="Tahoma"/>
+              </a:rPr>
+              <a:t>yter</a:t>
+            </a:r>
+            <a:r>
+              <a:rPr sz="1300" spc="-160" dirty="0">
+                <a:solidFill>
+                  <a:srgbClr val="595959"/>
+                </a:solidFill>
+                <a:latin typeface="Tahoma"/>
+                <a:cs typeface="Tahoma"/>
+              </a:rPr>
+              <a:t> </a:t>
+            </a:r>
+            <a:r>
+              <a:rPr sz="1300" spc="30" dirty="0">
+                <a:solidFill>
+                  <a:srgbClr val="595959"/>
+                </a:solidFill>
+                <a:latin typeface="Tahoma"/>
+                <a:cs typeface="Tahoma"/>
+              </a:rPr>
+              <a:t>Notebook</a:t>
+            </a:r>
+            <a:r>
+              <a:rPr sz="1300" spc="-160" dirty="0">
+                <a:solidFill>
+                  <a:srgbClr val="595959"/>
+                </a:solidFill>
+                <a:latin typeface="Tahoma"/>
+                <a:cs typeface="Tahoma"/>
+              </a:rPr>
+              <a:t> </a:t>
+            </a:r>
+            <a:r>
+              <a:rPr sz="1300" spc="-10" dirty="0">
+                <a:solidFill>
+                  <a:srgbClr val="595959"/>
+                </a:solidFill>
+                <a:latin typeface="Tahoma"/>
+                <a:cs typeface="Tahoma"/>
+              </a:rPr>
+              <a:t>can</a:t>
+            </a:r>
+            <a:r>
+              <a:rPr sz="1300" spc="-160" dirty="0">
+                <a:solidFill>
+                  <a:srgbClr val="595959"/>
+                </a:solidFill>
+                <a:latin typeface="Tahoma"/>
+                <a:cs typeface="Tahoma"/>
+              </a:rPr>
+              <a:t> </a:t>
+            </a:r>
+            <a:r>
+              <a:rPr sz="1300" dirty="0">
+                <a:solidFill>
+                  <a:srgbClr val="595959"/>
+                </a:solidFill>
+                <a:latin typeface="Tahoma"/>
+                <a:cs typeface="Tahoma"/>
+              </a:rPr>
+              <a:t>be</a:t>
+            </a:r>
+            <a:r>
+              <a:rPr sz="1300" spc="-160" dirty="0">
+                <a:solidFill>
+                  <a:srgbClr val="595959"/>
+                </a:solidFill>
+                <a:latin typeface="Tahoma"/>
+                <a:cs typeface="Tahoma"/>
+              </a:rPr>
+              <a:t> </a:t>
+            </a:r>
+            <a:r>
+              <a:rPr sz="1300" spc="5" dirty="0">
+                <a:solidFill>
+                  <a:srgbClr val="595959"/>
+                </a:solidFill>
+                <a:latin typeface="Tahoma"/>
+                <a:cs typeface="Tahoma"/>
+              </a:rPr>
+              <a:t>found</a:t>
+            </a:r>
+            <a:r>
+              <a:rPr sz="1300" spc="-160" dirty="0">
+                <a:solidFill>
+                  <a:srgbClr val="595959"/>
+                </a:solidFill>
+                <a:latin typeface="Tahoma"/>
+                <a:cs typeface="Tahoma"/>
+              </a:rPr>
+              <a:t> </a:t>
+            </a:r>
+            <a:r>
+              <a:rPr sz="1300" spc="-20" dirty="0">
+                <a:solidFill>
+                  <a:srgbClr val="595959"/>
+                </a:solidFill>
+                <a:latin typeface="Tahoma"/>
+                <a:cs typeface="Tahoma"/>
+              </a:rPr>
+              <a:t>here:</a:t>
+            </a:r>
+            <a:endParaRPr sz="1300" dirty="0">
+              <a:latin typeface="Tahoma"/>
+              <a:cs typeface="Tahoma"/>
+            </a:endParaRPr>
+          </a:p>
+          <a:p>
+            <a:pPr marL="12700" marR="17780">
+              <a:lnSpc>
+                <a:spcPct val="105000"/>
+              </a:lnSpc>
+            </a:pPr>
+            <a:r>
+              <a:rPr sz="1300" u="heavy" dirty="0">
+                <a:solidFill>
+                  <a:srgbClr val="1B3678"/>
+                </a:solidFill>
+                <a:uFill>
+                  <a:solidFill>
+                    <a:srgbClr val="1B3678"/>
+                  </a:solidFill>
+                </a:uFill>
+                <a:latin typeface="Tahoma"/>
+                <a:cs typeface="Tahoma"/>
+                <a:hlinkClick r:id="rId2"/>
+              </a:rPr>
+              <a:t>https://github.com/thuynh323/IBM-Machine-Learning/blob/master/2-Supervised-Learning-Regression/Projec </a:t>
+            </a:r>
+            <a:r>
+              <a:rPr sz="1300" spc="-395" dirty="0">
+                <a:solidFill>
+                  <a:srgbClr val="1B3678"/>
+                </a:solidFill>
+                <a:latin typeface="Tahoma"/>
+                <a:cs typeface="Tahoma"/>
+              </a:rPr>
+              <a:t> </a:t>
+            </a:r>
+            <a:r>
+              <a:rPr sz="1300" u="heavy" spc="-5" dirty="0">
+                <a:solidFill>
+                  <a:srgbClr val="1B3678"/>
+                </a:solidFill>
+                <a:uFill>
+                  <a:solidFill>
+                    <a:srgbClr val="1B3678"/>
+                  </a:solidFill>
+                </a:uFill>
+                <a:latin typeface="Tahoma"/>
+                <a:cs typeface="Tahoma"/>
+                <a:hlinkClick r:id="rId2"/>
+              </a:rPr>
+              <a:t>t-2.ipynb</a:t>
+            </a:r>
+            <a:endParaRPr sz="1300" dirty="0">
+              <a:latin typeface="Tahoma"/>
+              <a:cs typeface="Tahoma"/>
+            </a:endParaRPr>
+          </a:p>
+        </p:txBody>
+      </p:sp>
+    </p:spTree>
+  </p:cSld>
+  <p:clrMapOvr>
+    <a:masterClrMapping/>
+  </p:clrMapOvr>
+</p:sld>
+</file>
+
 <file path=ppt/slides/slide3.xml><?xml version="1.0" encoding="utf-8"?>
 <p:sld xmlns:a="http://schemas.openxmlformats.org/drawingml/2006/main" xmlns:r="http://schemas.openxmlformats.org/officeDocument/2006/relationships" xmlns:p="http://schemas.openxmlformats.org/presentationml/2006/main">
   <p:cSld>
@@ -10329,7 +11171,7 @@
         <p:spPr>
           <a:xfrm>
             <a:off x="424483" y="1890553"/>
-            <a:ext cx="3968750" cy="2077813"/>
+            <a:ext cx="3968750" cy="2750305"/>
           </a:xfrm>
           <a:prstGeom prst="rect">
             <a:avLst/>
@@ -10478,7 +11320,60 @@
               </a:rPr>
               <a:t>.</a:t>
             </a:r>
-            <a:endParaRPr sz="1300" dirty="0">
+          </a:p>
+          <a:p>
+            <a:pPr marL="340360" marR="47625" indent="-328295">
+              <a:lnSpc>
+                <a:spcPct val="114999"/>
+              </a:lnSpc>
+              <a:buFont typeface="Arial MT"/>
+              <a:buChar char="●"/>
+              <a:tabLst>
+                <a:tab pos="340360" algn="l"/>
+                <a:tab pos="340995" algn="l"/>
+              </a:tabLst>
+            </a:pPr>
+            <a:endParaRPr lang="en-US" sz="1300" dirty="0">
+              <a:solidFill>
+                <a:srgbClr val="595959"/>
+              </a:solidFill>
+              <a:latin typeface="Tahoma"/>
+              <a:cs typeface="Tahoma"/>
+            </a:endParaRPr>
+          </a:p>
+          <a:p>
+            <a:pPr marL="12065" marR="47625">
+              <a:lnSpc>
+                <a:spcPct val="114999"/>
+              </a:lnSpc>
+              <a:tabLst>
+                <a:tab pos="340360" algn="l"/>
+                <a:tab pos="340995" algn="l"/>
+              </a:tabLst>
+            </a:pPr>
+            <a:r>
+              <a:rPr lang="en-US" sz="1300" dirty="0">
+                <a:solidFill>
+                  <a:srgbClr val="595959"/>
+                </a:solidFill>
+                <a:latin typeface="Tahoma"/>
+                <a:cs typeface="Tahoma"/>
+                <a:hlinkClick r:id="rId2"/>
+              </a:rPr>
+              <a:t>https://www.kaggle.com/datasets/wkirgsn</a:t>
+            </a:r>
+            <a:r>
+              <a:rPr lang="en-US" sz="1300">
+                <a:solidFill>
+                  <a:srgbClr val="595959"/>
+                </a:solidFill>
+                <a:latin typeface="Tahoma"/>
+                <a:cs typeface="Tahoma"/>
+                <a:hlinkClick r:id="rId2"/>
+              </a:rPr>
+              <a:t>/electric-motor-temperature</a:t>
+            </a:r>
+            <a:endParaRPr lang="en-US" sz="1300">
               <a:solidFill>
                 <a:srgbClr val="595959"/>
               </a:solidFill>
@@ -10516,21 +11411,21 @@
                 <a:gridCol w="1003935">
                   <a:extLst>
                     <a:ext uri="{9D8B030D-6E8A-4147-A177-3AD203B41FA5}">
-                      <a16:colId xmlns="" xmlns:a16="http://schemas.microsoft.com/office/drawing/2014/main" val="20000"/>
+                      <a16:colId xmlns:a16="http://schemas.microsoft.com/office/drawing/2014/main" val="20000"/>
                     </a:ext>
                   </a:extLst>
                 </a:gridCol>
                 <a:gridCol w="643890">
                   <a:extLst>
                     <a:ext uri="{9D8B030D-6E8A-4147-A177-3AD203B41FA5}">
-                      <a16:colId xmlns="" xmlns:a16="http://schemas.microsoft.com/office/drawing/2014/main" val="20001"/>
+                      <a16:colId xmlns:a16="http://schemas.microsoft.com/office/drawing/2014/main" val="20001"/>
                     </a:ext>
                   </a:extLst>
                 </a:gridCol>
                 <a:gridCol w="2715260">
                   <a:extLst>
                     <a:ext uri="{9D8B030D-6E8A-4147-A177-3AD203B41FA5}">
-                      <a16:colId xmlns="" xmlns:a16="http://schemas.microsoft.com/office/drawing/2014/main" val="20002"/>
+                      <a16:colId xmlns:a16="http://schemas.microsoft.com/office/drawing/2014/main" val="20002"/>
                     </a:ext>
                   </a:extLst>
                 </a:gridCol>
@@ -10718,7 +11613,7 @@
                 </a:tc>
                 <a:extLst>
                   <a:ext uri="{0D108BD9-81ED-4DB2-BD59-A6C34878D82A}">
-                    <a16:rowId xmlns="" xmlns:a16="http://schemas.microsoft.com/office/drawing/2014/main" val="10000"/>
+                    <a16:rowId xmlns:a16="http://schemas.microsoft.com/office/drawing/2014/main" val="10000"/>
                   </a:ext>
                 </a:extLst>
               </a:tr>
@@ -10913,7 +11808,7 @@
                 </a:tc>
                 <a:extLst>
                   <a:ext uri="{0D108BD9-81ED-4DB2-BD59-A6C34878D82A}">
-                    <a16:rowId xmlns="" xmlns:a16="http://schemas.microsoft.com/office/drawing/2014/main" val="10001"/>
+                    <a16:rowId xmlns:a16="http://schemas.microsoft.com/office/drawing/2014/main" val="10001"/>
                   </a:ext>
                 </a:extLst>
               </a:tr>
@@ -11084,7 +11979,7 @@
                 </a:tc>
                 <a:extLst>
                   <a:ext uri="{0D108BD9-81ED-4DB2-BD59-A6C34878D82A}">
-                    <a16:rowId xmlns="" xmlns:a16="http://schemas.microsoft.com/office/drawing/2014/main" val="10002"/>
+                    <a16:rowId xmlns:a16="http://schemas.microsoft.com/office/drawing/2014/main" val="10002"/>
                   </a:ext>
                 </a:extLst>
               </a:tr>
@@ -11264,7 +12159,7 @@
                 </a:tc>
                 <a:extLst>
                   <a:ext uri="{0D108BD9-81ED-4DB2-BD59-A6C34878D82A}">
-                    <a16:rowId xmlns="" xmlns:a16="http://schemas.microsoft.com/office/drawing/2014/main" val="10003"/>
+                    <a16:rowId xmlns:a16="http://schemas.microsoft.com/office/drawing/2014/main" val="10003"/>
                   </a:ext>
                 </a:extLst>
               </a:tr>
@@ -11459,7 +12354,7 @@
                 </a:tc>
                 <a:extLst>
                   <a:ext uri="{0D108BD9-81ED-4DB2-BD59-A6C34878D82A}">
-                    <a16:rowId xmlns="" xmlns:a16="http://schemas.microsoft.com/office/drawing/2014/main" val="10004"/>
+                    <a16:rowId xmlns:a16="http://schemas.microsoft.com/office/drawing/2014/main" val="10004"/>
                   </a:ext>
                 </a:extLst>
               </a:tr>
@@ -11639,7 +12534,7 @@
                 </a:tc>
                 <a:extLst>
                   <a:ext uri="{0D108BD9-81ED-4DB2-BD59-A6C34878D82A}">
-                    <a16:rowId xmlns="" xmlns:a16="http://schemas.microsoft.com/office/drawing/2014/main" val="10005"/>
+                    <a16:rowId xmlns:a16="http://schemas.microsoft.com/office/drawing/2014/main" val="10005"/>
                   </a:ext>
                 </a:extLst>
               </a:tr>
@@ -11818,7 +12713,7 @@
                 </a:tc>
                 <a:extLst>
                   <a:ext uri="{0D108BD9-81ED-4DB2-BD59-A6C34878D82A}">
-                    <a16:rowId xmlns="" xmlns:a16="http://schemas.microsoft.com/office/drawing/2014/main" val="10006"/>
+                    <a16:rowId xmlns:a16="http://schemas.microsoft.com/office/drawing/2014/main" val="10006"/>
                   </a:ext>
                 </a:extLst>
               </a:tr>
@@ -12013,7 +12908,7 @@
                 </a:tc>
                 <a:extLst>
                   <a:ext uri="{0D108BD9-81ED-4DB2-BD59-A6C34878D82A}">
-                    <a16:rowId xmlns="" xmlns:a16="http://schemas.microsoft.com/office/drawing/2014/main" val="10007"/>
+                    <a16:rowId xmlns:a16="http://schemas.microsoft.com/office/drawing/2014/main" val="10007"/>
                   </a:ext>
                 </a:extLst>
               </a:tr>
@@ -12184,7 +13079,7 @@
                 </a:tc>
                 <a:extLst>
                   <a:ext uri="{0D108BD9-81ED-4DB2-BD59-A6C34878D82A}">
-                    <a16:rowId xmlns="" xmlns:a16="http://schemas.microsoft.com/office/drawing/2014/main" val="10008"/>
+                    <a16:rowId xmlns:a16="http://schemas.microsoft.com/office/drawing/2014/main" val="10008"/>
                   </a:ext>
                 </a:extLst>
               </a:tr>
@@ -12388,7 +13283,7 @@
                 </a:tc>
                 <a:extLst>
                   <a:ext uri="{0D108BD9-81ED-4DB2-BD59-A6C34878D82A}">
-                    <a16:rowId xmlns="" xmlns:a16="http://schemas.microsoft.com/office/drawing/2014/main" val="10009"/>
+                    <a16:rowId xmlns:a16="http://schemas.microsoft.com/office/drawing/2014/main" val="10009"/>
                   </a:ext>
                 </a:extLst>
               </a:tr>
@@ -12580,7 +13475,7 @@
                 </a:tc>
                 <a:extLst>
                   <a:ext uri="{0D108BD9-81ED-4DB2-BD59-A6C34878D82A}">
-                    <a16:rowId xmlns="" xmlns:a16="http://schemas.microsoft.com/office/drawing/2014/main" val="3262238444"/>
+                    <a16:rowId xmlns:a16="http://schemas.microsoft.com/office/drawing/2014/main" val="3262238444"/>
                   </a:ext>
                 </a:extLst>
               </a:tr>
@@ -12772,7 +13667,7 @@
                 </a:tc>
                 <a:extLst>
                   <a:ext uri="{0D108BD9-81ED-4DB2-BD59-A6C34878D82A}">
-                    <a16:rowId xmlns="" xmlns:a16="http://schemas.microsoft.com/office/drawing/2014/main" val="2530041009"/>
+                    <a16:rowId xmlns:a16="http://schemas.microsoft.com/office/drawing/2014/main" val="2530041009"/>
                   </a:ext>
                 </a:extLst>
               </a:tr>
@@ -12989,7 +13884,7 @@
                 </a:tc>
                 <a:extLst>
                   <a:ext uri="{0D108BD9-81ED-4DB2-BD59-A6C34878D82A}">
-                    <a16:rowId xmlns="" xmlns:a16="http://schemas.microsoft.com/office/drawing/2014/main" val="3248167787"/>
+                    <a16:rowId xmlns:a16="http://schemas.microsoft.com/office/drawing/2014/main" val="3248167787"/>
                   </a:ext>
                 </a:extLst>
               </a:tr>
@@ -13172,7 +14067,7 @@
                 </a:tc>
                 <a:extLst>
                   <a:ext uri="{0D108BD9-81ED-4DB2-BD59-A6C34878D82A}">
-                    <a16:rowId xmlns="" xmlns:a16="http://schemas.microsoft.com/office/drawing/2014/main" val="2395782587"/>
+                    <a16:rowId xmlns:a16="http://schemas.microsoft.com/office/drawing/2014/main" val="2395782587"/>
                   </a:ext>
                 </a:extLst>
               </a:tr>
@@ -13675,7 +14570,7 @@
           <p:cNvPr id="6" name="Picture 5" descr="Graphical user interface, text&#10;&#10;Description automatically generated">
             <a:extLst>
               <a:ext uri="{FF2B5EF4-FFF2-40B4-BE49-F238E27FC236}">
-                <a16:creationId xmlns="" xmlns:a16="http://schemas.microsoft.com/office/drawing/2014/main" id="{0C4C9AC5-A6D3-92EB-2CB5-987AAB6CB1A5}"/>
+                <a16:creationId xmlns:a16="http://schemas.microsoft.com/office/drawing/2014/main" id="{0C4C9AC5-A6D3-92EB-2CB5-987AAB6CB1A5}"/>
               </a:ext>
             </a:extLst>
           </p:cNvPr>
@@ -13685,7 +14580,7 @@
           <p:nvPr/>
         </p:nvPicPr>
         <p:blipFill>
-          <a:blip r:embed="rId2" cstate="print">
+          <a:blip r:embed="rId2">
             <a:extLst>
               <a:ext uri="{28A0092B-C50C-407E-A947-70E740481C1C}">
                 <a14:useLocalDpi xmlns:a14="http://schemas.microsoft.com/office/drawing/2010/main" val="0"/>
@@ -13891,7 +14786,7 @@
           <p:cNvPr id="8" name="Picture 7" descr="A black background with white text&#10;&#10;Description automatically generated with low confidence">
             <a:extLst>
               <a:ext uri="{FF2B5EF4-FFF2-40B4-BE49-F238E27FC236}">
-                <a16:creationId xmlns="" xmlns:a16="http://schemas.microsoft.com/office/drawing/2014/main" id="{A91C1418-A7C8-DC08-949A-F0C29450C4BE}"/>
+                <a16:creationId xmlns:a16="http://schemas.microsoft.com/office/drawing/2014/main" id="{A91C1418-A7C8-DC08-949A-F0C29450C4BE}"/>
               </a:ext>
             </a:extLst>
           </p:cNvPr>
@@ -13901,7 +14796,7 @@
           <p:nvPr/>
         </p:nvPicPr>
         <p:blipFill>
-          <a:blip r:embed="rId2" cstate="print">
+          <a:blip r:embed="rId2">
             <a:extLst>
               <a:ext uri="{28A0092B-C50C-407E-A947-70E740481C1C}">
                 <a14:useLocalDpi xmlns:a14="http://schemas.microsoft.com/office/drawing/2010/main" val="0"/>
@@ -13927,7 +14822,7 @@
           <p:cNvPr id="10" name="Picture 9" descr="Text&#10;&#10;Description automatically generated with low confidence">
             <a:extLst>
               <a:ext uri="{FF2B5EF4-FFF2-40B4-BE49-F238E27FC236}">
-                <a16:creationId xmlns="" xmlns:a16="http://schemas.microsoft.com/office/drawing/2014/main" id="{1B0C832B-CBE1-0883-77F0-F4C35992FA68}"/>
+                <a16:creationId xmlns:a16="http://schemas.microsoft.com/office/drawing/2014/main" id="{1B0C832B-CBE1-0883-77F0-F4C35992FA68}"/>
               </a:ext>
             </a:extLst>
           </p:cNvPr>
@@ -13937,7 +14832,7 @@
           <p:nvPr/>
         </p:nvPicPr>
         <p:blipFill>
-          <a:blip r:embed="rId3" cstate="print">
+          <a:blip r:embed="rId3">
             <a:extLst>
               <a:ext uri="{28A0092B-C50C-407E-A947-70E740481C1C}">
                 <a14:useLocalDpi xmlns:a14="http://schemas.microsoft.com/office/drawing/2010/main" val="0"/>
@@ -13988,7 +14883,7 @@
           <p:cNvPr id="4" name="Picture 3" descr="Graphical user interface, chart, bar chart&#10;&#10;Description automatically generated">
             <a:extLst>
               <a:ext uri="{FF2B5EF4-FFF2-40B4-BE49-F238E27FC236}">
-                <a16:creationId xmlns="" xmlns:a16="http://schemas.microsoft.com/office/drawing/2014/main" id="{B4C3ACA3-C6CA-D882-8CC5-540F8FE91794}"/>
+                <a16:creationId xmlns:a16="http://schemas.microsoft.com/office/drawing/2014/main" id="{B4C3ACA3-C6CA-D882-8CC5-540F8FE91794}"/>
               </a:ext>
             </a:extLst>
           </p:cNvPr>
@@ -15083,7 +15978,7 @@
           <p:cNvPr id="7" name="Picture 6" descr="Shape&#10;&#10;Description automatically generated">
             <a:extLst>
               <a:ext uri="{FF2B5EF4-FFF2-40B4-BE49-F238E27FC236}">
-                <a16:creationId xmlns="" xmlns:a16="http://schemas.microsoft.com/office/drawing/2014/main" id="{357CA76B-F003-9714-5143-D11BA563F0A3}"/>
+                <a16:creationId xmlns:a16="http://schemas.microsoft.com/office/drawing/2014/main" id="{357CA76B-F003-9714-5143-D11BA563F0A3}"/>
               </a:ext>
             </a:extLst>
           </p:cNvPr>
@@ -15093,7 +15988,7 @@
           <p:nvPr/>
         </p:nvPicPr>
         <p:blipFill>
-          <a:blip r:embed="rId2" cstate="print">
+          <a:blip r:embed="rId2">
             <a:extLst>
               <a:ext uri="{28A0092B-C50C-407E-A947-70E740481C1C}">
                 <a14:useLocalDpi xmlns:a14="http://schemas.microsoft.com/office/drawing/2010/main" val="0"/>
@@ -15269,7 +16164,7 @@
           <p:cNvPr id="5" name="Picture 4" descr="Graphical user interface, application&#10;&#10;Description automatically generated">
             <a:extLst>
               <a:ext uri="{FF2B5EF4-FFF2-40B4-BE49-F238E27FC236}">
-                <a16:creationId xmlns="" xmlns:a16="http://schemas.microsoft.com/office/drawing/2014/main" id="{6F07DE07-B954-A056-FF9D-ED1734681427}"/>
+                <a16:creationId xmlns:a16="http://schemas.microsoft.com/office/drawing/2014/main" id="{6F07DE07-B954-A056-FF9D-ED1734681427}"/>
               </a:ext>
             </a:extLst>
           </p:cNvPr>
